--- a/Business/Charlie Personal Archives/Presentation/Finance Incentive Program.pptx
+++ b/Business/Charlie Personal Archives/Presentation/Finance Incentive Program.pptx
@@ -5,7 +5,7 @@
     <p:sldMasterId id="2147483768" r:id="rId1"/>
   </p:sldMasterIdLst>
   <p:notesMasterIdLst>
-    <p:notesMasterId r:id="rId9"/>
+    <p:notesMasterId r:id="rId10"/>
   </p:notesMasterIdLst>
   <p:sldIdLst>
     <p:sldId id="257" r:id="rId2"/>
@@ -15,6 +15,7 @@
     <p:sldId id="261" r:id="rId6"/>
     <p:sldId id="262" r:id="rId7"/>
     <p:sldId id="263" r:id="rId8"/>
+    <p:sldId id="264" r:id="rId9"/>
   </p:sldIdLst>
   <p:sldSz cx="12192000" cy="6858000"/>
   <p:notesSz cx="6858000" cy="9144000"/>
@@ -7654,7 +7655,39 @@
                   </a:outerShdw>
                 </a:effectLst>
               </a:rPr>
-              <a:t>Level 1 - $2,500 Total</a:t>
+              <a:t>Level 1 - </a:t>
+            </a:r>
+            <a:r>
+              <a:rPr lang="en-US" sz="5400" dirty="0" smtClean="0">
+                <a:ln w="0"/>
+                <a:solidFill>
+                  <a:schemeClr val="accent1"/>
+                </a:solidFill>
+                <a:effectLst>
+                  <a:outerShdw blurRad="38100" dist="25400" dir="5400000" algn="ctr" rotWithShape="0">
+                    <a:srgbClr val="6E747A">
+                      <a:alpha val="43000"/>
+                    </a:srgbClr>
+                  </a:outerShdw>
+                </a:effectLst>
+              </a:rPr>
+              <a:t>$3,000 </a:t>
+            </a:r>
+            <a:r>
+              <a:rPr lang="en-US" sz="5400" dirty="0" smtClean="0">
+                <a:ln w="0"/>
+                <a:solidFill>
+                  <a:schemeClr val="accent1"/>
+                </a:solidFill>
+                <a:effectLst>
+                  <a:outerShdw blurRad="38100" dist="25400" dir="5400000" algn="ctr" rotWithShape="0">
+                    <a:srgbClr val="6E747A">
+                      <a:alpha val="43000"/>
+                    </a:srgbClr>
+                  </a:outerShdw>
+                </a:effectLst>
+              </a:rPr>
+              <a:t>Total</a:t>
             </a:r>
             <a:endParaRPr lang="en-US" sz="5400" b="0" cap="none" spc="0" dirty="0">
               <a:ln w="0"/>
@@ -8105,7 +8138,39 @@
                   </a:outerShdw>
                 </a:effectLst>
               </a:rPr>
-              <a:t>Level 2 - $5,000 Total</a:t>
+              <a:t>Level 2 - </a:t>
+            </a:r>
+            <a:r>
+              <a:rPr lang="en-US" sz="5400" dirty="0" smtClean="0">
+                <a:ln w="0"/>
+                <a:solidFill>
+                  <a:schemeClr val="accent1"/>
+                </a:solidFill>
+                <a:effectLst>
+                  <a:outerShdw blurRad="38100" dist="25400" dir="5400000" algn="ctr" rotWithShape="0">
+                    <a:srgbClr val="6E747A">
+                      <a:alpha val="43000"/>
+                    </a:srgbClr>
+                  </a:outerShdw>
+                </a:effectLst>
+              </a:rPr>
+              <a:t>$6,000 </a:t>
+            </a:r>
+            <a:r>
+              <a:rPr lang="en-US" sz="5400" dirty="0" smtClean="0">
+                <a:ln w="0"/>
+                <a:solidFill>
+                  <a:schemeClr val="accent1"/>
+                </a:solidFill>
+                <a:effectLst>
+                  <a:outerShdw blurRad="38100" dist="25400" dir="5400000" algn="ctr" rotWithShape="0">
+                    <a:srgbClr val="6E747A">
+                      <a:alpha val="43000"/>
+                    </a:srgbClr>
+                  </a:outerShdw>
+                </a:effectLst>
+              </a:rPr>
+              <a:t>Total</a:t>
             </a:r>
             <a:endParaRPr lang="en-US" sz="5400" b="0" cap="none" spc="0" dirty="0">
               <a:ln w="0"/>
@@ -8541,7 +8606,7 @@
         <p:spPr>
           <a:xfrm>
             <a:off x="341686" y="420496"/>
-            <a:ext cx="6481145" cy="923330"/>
+            <a:ext cx="7035060" cy="923330"/>
           </a:xfrm>
           <a:prstGeom prst="rect">
             <a:avLst/>
@@ -8568,7 +8633,39 @@
                   </a:outerShdw>
                 </a:effectLst>
               </a:rPr>
-              <a:t>Level 3 - $7,500 Total</a:t>
+              <a:t>Level 3 - </a:t>
+            </a:r>
+            <a:r>
+              <a:rPr lang="en-US" sz="5400" dirty="0" smtClean="0">
+                <a:ln w="0"/>
+                <a:solidFill>
+                  <a:schemeClr val="accent1"/>
+                </a:solidFill>
+                <a:effectLst>
+                  <a:outerShdw blurRad="38100" dist="25400" dir="5400000" algn="ctr" rotWithShape="0">
+                    <a:srgbClr val="6E747A">
+                      <a:alpha val="43000"/>
+                    </a:srgbClr>
+                  </a:outerShdw>
+                </a:effectLst>
+              </a:rPr>
+              <a:t>$9,000 </a:t>
+            </a:r>
+            <a:r>
+              <a:rPr lang="en-US" sz="5400" dirty="0" smtClean="0">
+                <a:ln w="0"/>
+                <a:solidFill>
+                  <a:schemeClr val="accent1"/>
+                </a:solidFill>
+                <a:effectLst>
+                  <a:outerShdw blurRad="38100" dist="25400" dir="5400000" algn="ctr" rotWithShape="0">
+                    <a:srgbClr val="6E747A">
+                      <a:alpha val="43000"/>
+                    </a:srgbClr>
+                  </a:outerShdw>
+                </a:effectLst>
+              </a:rPr>
+              <a:t>Total</a:t>
             </a:r>
             <a:endParaRPr lang="en-US" sz="5400" b="0" cap="none" spc="0" dirty="0">
               <a:ln w="0"/>
@@ -9052,7 +9149,39 @@
                   </a:outerShdw>
                 </a:effectLst>
               </a:rPr>
-              <a:t>Level 4 - $10,000 Total</a:t>
+              <a:t>Level 4 - $</a:t>
+            </a:r>
+            <a:r>
+              <a:rPr lang="en-US" sz="5400" dirty="0" smtClean="0">
+                <a:ln w="0"/>
+                <a:solidFill>
+                  <a:schemeClr val="accent1"/>
+                </a:solidFill>
+                <a:effectLst>
+                  <a:outerShdw blurRad="38100" dist="25400" dir="5400000" algn="ctr" rotWithShape="0">
+                    <a:srgbClr val="6E747A">
+                      <a:alpha val="43000"/>
+                    </a:srgbClr>
+                  </a:outerShdw>
+                </a:effectLst>
+              </a:rPr>
+              <a:t>12,000 </a:t>
+            </a:r>
+            <a:r>
+              <a:rPr lang="en-US" sz="5400" dirty="0" smtClean="0">
+                <a:ln w="0"/>
+                <a:solidFill>
+                  <a:schemeClr val="accent1"/>
+                </a:solidFill>
+                <a:effectLst>
+                  <a:outerShdw blurRad="38100" dist="25400" dir="5400000" algn="ctr" rotWithShape="0">
+                    <a:srgbClr val="6E747A">
+                      <a:alpha val="43000"/>
+                    </a:srgbClr>
+                  </a:outerShdw>
+                </a:effectLst>
+              </a:rPr>
+              <a:t>Total</a:t>
             </a:r>
             <a:endParaRPr lang="en-US" sz="5400" b="0" cap="none" spc="0" dirty="0">
               <a:ln w="0"/>
@@ -9103,7 +9232,6 @@
               <a:rPr lang="en-US" sz="4000" dirty="0"/>
               <a:t>back or ankle)</a:t>
             </a:r>
-            <a:endParaRPr lang="en-US" sz="4000" dirty="0"/>
           </a:p>
         </p:txBody>
       </p:sp>
@@ -9511,7 +9639,39 @@
                   </a:outerShdw>
                 </a:effectLst>
               </a:rPr>
-              <a:t>Level 5 - $15,000 Total</a:t>
+              <a:t>Level 5 - $</a:t>
+            </a:r>
+            <a:r>
+              <a:rPr lang="en-US" sz="5400" dirty="0" smtClean="0">
+                <a:ln w="0"/>
+                <a:solidFill>
+                  <a:schemeClr val="accent1"/>
+                </a:solidFill>
+                <a:effectLst>
+                  <a:outerShdw blurRad="38100" dist="25400" dir="5400000" algn="ctr" rotWithShape="0">
+                    <a:srgbClr val="6E747A">
+                      <a:alpha val="43000"/>
+                    </a:srgbClr>
+                  </a:outerShdw>
+                </a:effectLst>
+              </a:rPr>
+              <a:t>18,500 </a:t>
+            </a:r>
+            <a:r>
+              <a:rPr lang="en-US" sz="5400" dirty="0" smtClean="0">
+                <a:ln w="0"/>
+                <a:solidFill>
+                  <a:schemeClr val="accent1"/>
+                </a:solidFill>
+                <a:effectLst>
+                  <a:outerShdw blurRad="38100" dist="25400" dir="5400000" algn="ctr" rotWithShape="0">
+                    <a:srgbClr val="6E747A">
+                      <a:alpha val="43000"/>
+                    </a:srgbClr>
+                  </a:outerShdw>
+                </a:effectLst>
+              </a:rPr>
+              <a:t>Total</a:t>
             </a:r>
             <a:endParaRPr lang="en-US" sz="5400" b="0" cap="none" spc="0" dirty="0">
               <a:ln w="0"/>
@@ -9605,6 +9765,163 @@
       </p:par>
     </p:tnLst>
   </p:timing>
+</p:sld>
+</file>
+
+<file path=ppt/slides/slide8.xml><?xml version="1.0" encoding="utf-8"?>
+<p:sld xmlns:a="http://schemas.openxmlformats.org/drawingml/2006/main" xmlns:r="http://schemas.openxmlformats.org/officeDocument/2006/relationships" xmlns:p="http://schemas.openxmlformats.org/presentationml/2006/main">
+  <p:cSld>
+    <p:spTree>
+      <p:nvGrpSpPr>
+        <p:cNvPr id="1" name=""/>
+        <p:cNvGrpSpPr/>
+        <p:nvPr/>
+      </p:nvGrpSpPr>
+      <p:grpSpPr>
+        <a:xfrm>
+          <a:off x="0" y="0"/>
+          <a:ext cx="0" cy="0"/>
+          <a:chOff x="0" y="0"/>
+          <a:chExt cx="0" cy="0"/>
+        </a:xfrm>
+      </p:grpSpPr>
+      <p:sp>
+        <p:nvSpPr>
+          <p:cNvPr id="2" name="Title 1"/>
+          <p:cNvSpPr>
+            <a:spLocks noGrp="1"/>
+          </p:cNvSpPr>
+          <p:nvPr>
+            <p:ph type="title"/>
+          </p:nvPr>
+        </p:nvSpPr>
+        <p:spPr/>
+        <p:txBody>
+          <a:bodyPr/>
+          <a:lstStyle/>
+          <a:p>
+            <a:r>
+              <a:rPr lang="en-US" dirty="0" smtClean="0"/>
+              <a:t>The Richest Engineer</a:t>
+            </a:r>
+            <a:endParaRPr lang="en-US" dirty="0"/>
+          </a:p>
+        </p:txBody>
+      </p:sp>
+      <p:sp>
+        <p:nvSpPr>
+          <p:cNvPr id="3" name="Content Placeholder 2"/>
+          <p:cNvSpPr>
+            <a:spLocks noGrp="1"/>
+          </p:cNvSpPr>
+          <p:nvPr>
+            <p:ph idx="1"/>
+          </p:nvPr>
+        </p:nvSpPr>
+        <p:spPr>
+          <a:xfrm>
+            <a:off x="913795" y="1732450"/>
+            <a:ext cx="10353762" cy="2355974"/>
+          </a:xfrm>
+        </p:spPr>
+        <p:txBody>
+          <a:bodyPr/>
+          <a:lstStyle/>
+          <a:p>
+            <a:pPr marL="36900" indent="0">
+              <a:buNone/>
+            </a:pPr>
+            <a:r>
+              <a:rPr lang="en-US" dirty="0" smtClean="0"/>
+              <a:t>Whoever raises the most money receives:</a:t>
+            </a:r>
+          </a:p>
+          <a:p>
+            <a:pPr marL="494100" indent="-457200">
+              <a:buFont typeface="+mj-lt"/>
+              <a:buAutoNum type="arabicPeriod"/>
+            </a:pPr>
+            <a:r>
+              <a:rPr lang="en-US" dirty="0"/>
+              <a:t>All expenses paid to SpaceVision from UNH SEDS </a:t>
+            </a:r>
+            <a:r>
+              <a:rPr lang="en-US" dirty="0" err="1"/>
+              <a:t>fo</a:t>
+            </a:r>
+            <a:r>
+              <a:rPr lang="en-US" dirty="0"/>
+              <a:t> </a:t>
+            </a:r>
+            <a:r>
+              <a:rPr lang="en-US" dirty="0" err="1" smtClean="0"/>
+              <a:t>sho</a:t>
+            </a:r>
+            <a:endParaRPr lang="en-US" dirty="0" smtClean="0"/>
+          </a:p>
+          <a:p>
+            <a:pPr marL="494100" indent="-457200">
+              <a:buFont typeface="+mj-lt"/>
+              <a:buAutoNum type="arabicPeriod"/>
+            </a:pPr>
+            <a:r>
+              <a:rPr lang="en-US" dirty="0" smtClean="0"/>
+              <a:t>If </a:t>
+            </a:r>
+            <a:r>
+              <a:rPr lang="en-US" dirty="0"/>
+              <a:t>21 - all expenses paid bar night from </a:t>
+            </a:r>
+            <a:r>
+              <a:rPr lang="en-US" dirty="0" smtClean="0"/>
+              <a:t>Charlie</a:t>
+            </a:r>
+            <a:br>
+              <a:rPr lang="en-US" dirty="0" smtClean="0"/>
+            </a:br>
+            <a:r>
+              <a:rPr lang="en-US" dirty="0" smtClean="0"/>
+              <a:t>If </a:t>
+            </a:r>
+            <a:r>
+              <a:rPr lang="en-US" dirty="0"/>
+              <a:t>not - I will buy liquor for you up to 30 </a:t>
+            </a:r>
+            <a:r>
+              <a:rPr lang="en-US" dirty="0" smtClean="0"/>
+              <a:t>bucks</a:t>
+            </a:r>
+          </a:p>
+          <a:p>
+            <a:pPr marL="494100" indent="-457200">
+              <a:buFont typeface="+mj-lt"/>
+              <a:buAutoNum type="arabicPeriod"/>
+            </a:pPr>
+            <a:r>
+              <a:rPr lang="en-US" dirty="0" smtClean="0"/>
+              <a:t>I </a:t>
+            </a:r>
+            <a:r>
+              <a:rPr lang="en-US" dirty="0"/>
+              <a:t>will remember what you did and will owe you one (1 Nitschelm buck</a:t>
+            </a:r>
+            <a:r>
+              <a:rPr lang="en-US" dirty="0" smtClean="0"/>
+              <a:t>)</a:t>
+            </a:r>
+          </a:p>
+        </p:txBody>
+      </p:sp>
+    </p:spTree>
+    <p:extLst>
+      <p:ext uri="{BB962C8B-B14F-4D97-AF65-F5344CB8AC3E}">
+        <p14:creationId xmlns:p14="http://schemas.microsoft.com/office/powerpoint/2010/main" val="1468827568"/>
+      </p:ext>
+    </p:extLst>
+  </p:cSld>
+  <p:clrMapOvr>
+    <a:masterClrMapping/>
+  </p:clrMapOvr>
 </p:sld>
 </file>
 

--- a/Business/Charlie Personal Archives/Presentation/Finance Incentive Program.pptx
+++ b/Business/Charlie Personal Archives/Presentation/Finance Incentive Program.pptx
@@ -204,7 +204,7 @@
           <a:p>
             <a:fld id="{79C6A49C-1803-4A28-8D90-751DD6DAEE6E}" type="datetimeFigureOut">
               <a:rPr lang="en-US" smtClean="0"/>
-              <a:t>9/5/2019</a:t>
+              <a:t>9/8/2019</a:t>
             </a:fld>
             <a:endParaRPr lang="en-US"/>
           </a:p>
@@ -657,7 +657,7 @@
           <a:p>
             <a:fld id="{DC4FF77B-AB05-463F-8388-E3EF4DCD9159}" type="datetimeFigureOut">
               <a:rPr lang="en-US" smtClean="0"/>
-              <a:t>9/5/2019</a:t>
+              <a:t>9/8/2019</a:t>
             </a:fld>
             <a:endParaRPr lang="en-US"/>
           </a:p>
@@ -955,7 +955,7 @@
           <a:p>
             <a:fld id="{DC4FF77B-AB05-463F-8388-E3EF4DCD9159}" type="datetimeFigureOut">
               <a:rPr lang="en-US" smtClean="0"/>
-              <a:t>9/5/2019</a:t>
+              <a:t>9/8/2019</a:t>
             </a:fld>
             <a:endParaRPr lang="en-US"/>
           </a:p>
@@ -1147,7 +1147,7 @@
           <a:p>
             <a:fld id="{DC4FF77B-AB05-463F-8388-E3EF4DCD9159}" type="datetimeFigureOut">
               <a:rPr lang="en-US" smtClean="0"/>
-              <a:t>9/5/2019</a:t>
+              <a:t>9/8/2019</a:t>
             </a:fld>
             <a:endParaRPr lang="en-US"/>
           </a:p>
@@ -1408,7 +1408,7 @@
           <a:p>
             <a:fld id="{DC4FF77B-AB05-463F-8388-E3EF4DCD9159}" type="datetimeFigureOut">
               <a:rPr lang="en-US" smtClean="0"/>
-              <a:t>9/5/2019</a:t>
+              <a:t>9/8/2019</a:t>
             </a:fld>
             <a:endParaRPr lang="en-US"/>
           </a:p>
@@ -1832,7 +1832,7 @@
           <a:p>
             <a:fld id="{DC4FF77B-AB05-463F-8388-E3EF4DCD9159}" type="datetimeFigureOut">
               <a:rPr lang="en-US" smtClean="0"/>
-              <a:t>9/5/2019</a:t>
+              <a:t>9/8/2019</a:t>
             </a:fld>
             <a:endParaRPr lang="en-US"/>
           </a:p>
@@ -2369,7 +2369,7 @@
           <a:p>
             <a:fld id="{DC4FF77B-AB05-463F-8388-E3EF4DCD9159}" type="datetimeFigureOut">
               <a:rPr lang="en-US" smtClean="0"/>
-              <a:t>9/5/2019</a:t>
+              <a:t>9/8/2019</a:t>
             </a:fld>
             <a:endParaRPr lang="en-US"/>
           </a:p>
@@ -3233,7 +3233,7 @@
           <a:p>
             <a:fld id="{DC4FF77B-AB05-463F-8388-E3EF4DCD9159}" type="datetimeFigureOut">
               <a:rPr lang="en-US" smtClean="0"/>
-              <a:t>9/5/2019</a:t>
+              <a:t>9/8/2019</a:t>
             </a:fld>
             <a:endParaRPr lang="en-US"/>
           </a:p>
@@ -3403,7 +3403,7 @@
           <a:p>
             <a:fld id="{DC4FF77B-AB05-463F-8388-E3EF4DCD9159}" type="datetimeFigureOut">
               <a:rPr lang="en-US" smtClean="0"/>
-              <a:t>9/5/2019</a:t>
+              <a:t>9/8/2019</a:t>
             </a:fld>
             <a:endParaRPr lang="en-US"/>
           </a:p>
@@ -3587,7 +3587,7 @@
           <a:p>
             <a:fld id="{DC4FF77B-AB05-463F-8388-E3EF4DCD9159}" type="datetimeFigureOut">
               <a:rPr lang="en-US" smtClean="0"/>
-              <a:t>9/5/2019</a:t>
+              <a:t>9/8/2019</a:t>
             </a:fld>
             <a:endParaRPr lang="en-US"/>
           </a:p>
@@ -3757,7 +3757,7 @@
           <a:p>
             <a:fld id="{DC4FF77B-AB05-463F-8388-E3EF4DCD9159}" type="datetimeFigureOut">
               <a:rPr lang="en-US" smtClean="0"/>
-              <a:t>9/5/2019</a:t>
+              <a:t>9/8/2019</a:t>
             </a:fld>
             <a:endParaRPr lang="en-US"/>
           </a:p>
@@ -4001,7 +4001,7 @@
           <a:p>
             <a:fld id="{DC4FF77B-AB05-463F-8388-E3EF4DCD9159}" type="datetimeFigureOut">
               <a:rPr lang="en-US" smtClean="0"/>
-              <a:t>9/5/2019</a:t>
+              <a:t>9/8/2019</a:t>
             </a:fld>
             <a:endParaRPr lang="en-US"/>
           </a:p>
@@ -4237,7 +4237,7 @@
           <a:p>
             <a:fld id="{DC4FF77B-AB05-463F-8388-E3EF4DCD9159}" type="datetimeFigureOut">
               <a:rPr lang="en-US" smtClean="0"/>
-              <a:t>9/5/2019</a:t>
+              <a:t>9/8/2019</a:t>
             </a:fld>
             <a:endParaRPr lang="en-US"/>
           </a:p>
@@ -4703,7 +4703,7 @@
           <a:p>
             <a:fld id="{DC4FF77B-AB05-463F-8388-E3EF4DCD9159}" type="datetimeFigureOut">
               <a:rPr lang="en-US" smtClean="0"/>
-              <a:t>9/5/2019</a:t>
+              <a:t>9/8/2019</a:t>
             </a:fld>
             <a:endParaRPr lang="en-US"/>
           </a:p>
@@ -4821,7 +4821,7 @@
           <a:p>
             <a:fld id="{DC4FF77B-AB05-463F-8388-E3EF4DCD9159}" type="datetimeFigureOut">
               <a:rPr lang="en-US" smtClean="0"/>
-              <a:t>9/5/2019</a:t>
+              <a:t>9/8/2019</a:t>
             </a:fld>
             <a:endParaRPr lang="en-US"/>
           </a:p>
@@ -4916,7 +4916,7 @@
           <a:p>
             <a:fld id="{DC4FF77B-AB05-463F-8388-E3EF4DCD9159}" type="datetimeFigureOut">
               <a:rPr lang="en-US" smtClean="0"/>
-              <a:t>9/5/2019</a:t>
+              <a:t>9/8/2019</a:t>
             </a:fld>
             <a:endParaRPr lang="en-US"/>
           </a:p>
@@ -5171,7 +5171,7 @@
           <a:p>
             <a:fld id="{DC4FF77B-AB05-463F-8388-E3EF4DCD9159}" type="datetimeFigureOut">
               <a:rPr lang="en-US" smtClean="0"/>
-              <a:t>9/5/2019</a:t>
+              <a:t>9/8/2019</a:t>
             </a:fld>
             <a:endParaRPr lang="en-US"/>
           </a:p>
@@ -5471,7 +5471,7 @@
           <a:p>
             <a:fld id="{DC4FF77B-AB05-463F-8388-E3EF4DCD9159}" type="datetimeFigureOut">
               <a:rPr lang="en-US" smtClean="0"/>
-              <a:t>9/5/2019</a:t>
+              <a:t>9/8/2019</a:t>
             </a:fld>
             <a:endParaRPr lang="en-US"/>
           </a:p>
@@ -5705,7 +5705,7 @@
           <a:p>
             <a:fld id="{DC4FF77B-AB05-463F-8388-E3EF4DCD9159}" type="datetimeFigureOut">
               <a:rPr lang="en-US" smtClean="0"/>
-              <a:t>9/5/2019</a:t>
+              <a:t>9/8/2019</a:t>
             </a:fld>
             <a:endParaRPr lang="en-US"/>
           </a:p>
@@ -7236,7 +7236,7 @@
         <p:spPr>
           <a:xfrm>
             <a:off x="341686" y="1617785"/>
-            <a:ext cx="9284677" cy="923330"/>
+            <a:ext cx="9284677" cy="1477328"/>
           </a:xfrm>
           <a:prstGeom prst="rect">
             <a:avLst/>
@@ -7265,8 +7265,21 @@
             </a:pPr>
             <a:r>
               <a:rPr lang="en-US" dirty="0" smtClean="0"/>
-              <a:t>Non-monetary donations will be estimated for their worth to the team if not received.</a:t>
-            </a:r>
+              <a:t>Non-monetary donations will be estimated for their </a:t>
+            </a:r>
+            <a:r>
+              <a:rPr lang="en-US" dirty="0" smtClean="0"/>
+              <a:t>worth/expected worth in the future </a:t>
+            </a:r>
+            <a:r>
+              <a:rPr lang="en-US" dirty="0" smtClean="0"/>
+              <a:t>to the </a:t>
+            </a:r>
+            <a:r>
+              <a:rPr lang="en-US" dirty="0" smtClean="0"/>
+              <a:t>team.</a:t>
+            </a:r>
+            <a:endParaRPr lang="en-US" dirty="0" smtClean="0"/>
           </a:p>
           <a:p>
             <a:pPr marL="342900" indent="-342900">
@@ -7277,7 +7290,25 @@
               <a:rPr lang="en-US" dirty="0" smtClean="0"/>
               <a:t>This is mostly a team-based competition (explained later). </a:t>
             </a:r>
-            <a:endParaRPr lang="en-US" dirty="0"/>
+            <a:endParaRPr lang="en-US" dirty="0" smtClean="0"/>
+          </a:p>
+          <a:p>
+            <a:pPr marL="342900" indent="-342900">
+              <a:buFont typeface="+mj-lt"/>
+              <a:buAutoNum type="arabicPeriod"/>
+            </a:pPr>
+            <a:r>
+              <a:rPr lang="en-US" dirty="0" smtClean="0"/>
+              <a:t>Contest will end October 14</a:t>
+            </a:r>
+            <a:r>
+              <a:rPr lang="en-US" baseline="30000" dirty="0" smtClean="0"/>
+              <a:t>th</a:t>
+            </a:r>
+            <a:r>
+              <a:rPr lang="en-US" dirty="0" smtClean="0"/>
+              <a:t>.</a:t>
+            </a:r>
           </a:p>
         </p:txBody>
       </p:sp>
@@ -7671,7 +7702,7 @@
                   </a:outerShdw>
                 </a:effectLst>
               </a:rPr>
-              <a:t>$3,000 </a:t>
+              <a:t>$5,000 </a:t>
             </a:r>
             <a:r>
               <a:rPr lang="en-US" sz="5400" dirty="0" smtClean="0">
@@ -7742,7 +7773,7 @@
         </p:nvSpPr>
         <p:spPr>
           <a:xfrm>
-            <a:off x="413238" y="1556238"/>
+            <a:off x="404445" y="1519466"/>
             <a:ext cx="4686300" cy="369332"/>
           </a:xfrm>
           <a:prstGeom prst="rect">
@@ -7777,9 +7808,80 @@
   <p:timing>
     <p:tnLst>
       <p:par>
-        <p:cTn id="1" dur="indefinite" restart="never" nodeType="tmRoot"/>
+        <p:cTn id="1" dur="indefinite" restart="never" nodeType="tmRoot">
+          <p:childTnLst>
+            <p:seq concurrent="1" nextAc="seek">
+              <p:cTn id="2" dur="indefinite" nodeType="mainSeq">
+                <p:childTnLst>
+                  <p:par>
+                    <p:cTn id="3" fill="hold">
+                      <p:stCondLst>
+                        <p:cond delay="indefinite"/>
+                      </p:stCondLst>
+                      <p:childTnLst>
+                        <p:par>
+                          <p:cTn id="4" fill="hold">
+                            <p:stCondLst>
+                              <p:cond delay="0"/>
+                            </p:stCondLst>
+                            <p:childTnLst>
+                              <p:par>
+                                <p:cTn id="5" presetID="1" presetClass="entr" presetSubtype="0" fill="hold" grpId="0" nodeType="clickEffect">
+                                  <p:stCondLst>
+                                    <p:cond delay="0"/>
+                                  </p:stCondLst>
+                                  <p:childTnLst>
+                                    <p:set>
+                                      <p:cBhvr>
+                                        <p:cTn id="6" dur="1" fill="hold">
+                                          <p:stCondLst>
+                                            <p:cond delay="0"/>
+                                          </p:stCondLst>
+                                        </p:cTn>
+                                        <p:tgtEl>
+                                          <p:spTgt spid="13"/>
+                                        </p:tgtEl>
+                                        <p:attrNameLst>
+                                          <p:attrName>style.visibility</p:attrName>
+                                        </p:attrNameLst>
+                                      </p:cBhvr>
+                                      <p:to>
+                                        <p:strVal val="visible"/>
+                                      </p:to>
+                                    </p:set>
+                                  </p:childTnLst>
+                                </p:cTn>
+                              </p:par>
+                            </p:childTnLst>
+                          </p:cTn>
+                        </p:par>
+                      </p:childTnLst>
+                    </p:cTn>
+                  </p:par>
+                </p:childTnLst>
+              </p:cTn>
+              <p:prevCondLst>
+                <p:cond evt="onPrev" delay="0">
+                  <p:tgtEl>
+                    <p:sldTgt/>
+                  </p:tgtEl>
+                </p:cond>
+              </p:prevCondLst>
+              <p:nextCondLst>
+                <p:cond evt="onNext" delay="0">
+                  <p:tgtEl>
+                    <p:sldTgt/>
+                  </p:tgtEl>
+                </p:cond>
+              </p:nextCondLst>
+            </p:seq>
+          </p:childTnLst>
+        </p:cTn>
       </p:par>
     </p:tnLst>
+    <p:bldLst>
+      <p:bldP spid="13" grpId="0"/>
+    </p:bldLst>
   </p:timing>
 </p:sld>
 </file>
@@ -8154,7 +8256,7 @@
                   </a:outerShdw>
                 </a:effectLst>
               </a:rPr>
-              <a:t>$6,000 </a:t>
+              <a:t>$8,000 </a:t>
             </a:r>
             <a:r>
               <a:rPr lang="en-US" sz="5400" dirty="0" smtClean="0">
@@ -8272,9 +8374,80 @@
   <p:timing>
     <p:tnLst>
       <p:par>
-        <p:cTn id="1" dur="indefinite" restart="never" nodeType="tmRoot"/>
+        <p:cTn id="1" dur="indefinite" restart="never" nodeType="tmRoot">
+          <p:childTnLst>
+            <p:seq concurrent="1" nextAc="seek">
+              <p:cTn id="2" dur="indefinite" nodeType="mainSeq">
+                <p:childTnLst>
+                  <p:par>
+                    <p:cTn id="3" fill="hold">
+                      <p:stCondLst>
+                        <p:cond delay="indefinite"/>
+                      </p:stCondLst>
+                      <p:childTnLst>
+                        <p:par>
+                          <p:cTn id="4" fill="hold">
+                            <p:stCondLst>
+                              <p:cond delay="0"/>
+                            </p:stCondLst>
+                            <p:childTnLst>
+                              <p:par>
+                                <p:cTn id="5" presetID="1" presetClass="entr" presetSubtype="0" fill="hold" grpId="0" nodeType="clickEffect">
+                                  <p:stCondLst>
+                                    <p:cond delay="0"/>
+                                  </p:stCondLst>
+                                  <p:childTnLst>
+                                    <p:set>
+                                      <p:cBhvr>
+                                        <p:cTn id="6" dur="1" fill="hold">
+                                          <p:stCondLst>
+                                            <p:cond delay="0"/>
+                                          </p:stCondLst>
+                                        </p:cTn>
+                                        <p:tgtEl>
+                                          <p:spTgt spid="2"/>
+                                        </p:tgtEl>
+                                        <p:attrNameLst>
+                                          <p:attrName>style.visibility</p:attrName>
+                                        </p:attrNameLst>
+                                      </p:cBhvr>
+                                      <p:to>
+                                        <p:strVal val="visible"/>
+                                      </p:to>
+                                    </p:set>
+                                  </p:childTnLst>
+                                </p:cTn>
+                              </p:par>
+                            </p:childTnLst>
+                          </p:cTn>
+                        </p:par>
+                      </p:childTnLst>
+                    </p:cTn>
+                  </p:par>
+                </p:childTnLst>
+              </p:cTn>
+              <p:prevCondLst>
+                <p:cond evt="onPrev" delay="0">
+                  <p:tgtEl>
+                    <p:sldTgt/>
+                  </p:tgtEl>
+                </p:cond>
+              </p:prevCondLst>
+              <p:nextCondLst>
+                <p:cond evt="onNext" delay="0">
+                  <p:tgtEl>
+                    <p:sldTgt/>
+                  </p:tgtEl>
+                </p:cond>
+              </p:nextCondLst>
+            </p:seq>
+          </p:childTnLst>
+        </p:cTn>
       </p:par>
     </p:tnLst>
+    <p:bldLst>
+      <p:bldP spid="2" grpId="0"/>
+    </p:bldLst>
   </p:timing>
 </p:sld>
 </file>
@@ -8649,7 +8822,7 @@
                   </a:outerShdw>
                 </a:effectLst>
               </a:rPr>
-              <a:t>$9,000 </a:t>
+              <a:t>$12,000 </a:t>
             </a:r>
             <a:r>
               <a:rPr lang="en-US" sz="5400" dirty="0" smtClean="0">
@@ -8788,9 +8961,80 @@
   <p:timing>
     <p:tnLst>
       <p:par>
-        <p:cTn id="1" dur="indefinite" restart="never" nodeType="tmRoot"/>
+        <p:cTn id="1" dur="indefinite" restart="never" nodeType="tmRoot">
+          <p:childTnLst>
+            <p:seq concurrent="1" nextAc="seek">
+              <p:cTn id="2" dur="indefinite" nodeType="mainSeq">
+                <p:childTnLst>
+                  <p:par>
+                    <p:cTn id="3" fill="hold">
+                      <p:stCondLst>
+                        <p:cond delay="indefinite"/>
+                      </p:stCondLst>
+                      <p:childTnLst>
+                        <p:par>
+                          <p:cTn id="4" fill="hold">
+                            <p:stCondLst>
+                              <p:cond delay="0"/>
+                            </p:stCondLst>
+                            <p:childTnLst>
+                              <p:par>
+                                <p:cTn id="5" presetID="1" presetClass="entr" presetSubtype="0" fill="hold" grpId="0" nodeType="clickEffect">
+                                  <p:stCondLst>
+                                    <p:cond delay="0"/>
+                                  </p:stCondLst>
+                                  <p:childTnLst>
+                                    <p:set>
+                                      <p:cBhvr>
+                                        <p:cTn id="6" dur="1" fill="hold">
+                                          <p:stCondLst>
+                                            <p:cond delay="0"/>
+                                          </p:stCondLst>
+                                        </p:cTn>
+                                        <p:tgtEl>
+                                          <p:spTgt spid="3"/>
+                                        </p:tgtEl>
+                                        <p:attrNameLst>
+                                          <p:attrName>style.visibility</p:attrName>
+                                        </p:attrNameLst>
+                                      </p:cBhvr>
+                                      <p:to>
+                                        <p:strVal val="visible"/>
+                                      </p:to>
+                                    </p:set>
+                                  </p:childTnLst>
+                                </p:cTn>
+                              </p:par>
+                            </p:childTnLst>
+                          </p:cTn>
+                        </p:par>
+                      </p:childTnLst>
+                    </p:cTn>
+                  </p:par>
+                </p:childTnLst>
+              </p:cTn>
+              <p:prevCondLst>
+                <p:cond evt="onPrev" delay="0">
+                  <p:tgtEl>
+                    <p:sldTgt/>
+                  </p:tgtEl>
+                </p:cond>
+              </p:prevCondLst>
+              <p:nextCondLst>
+                <p:cond evt="onNext" delay="0">
+                  <p:tgtEl>
+                    <p:sldTgt/>
+                  </p:tgtEl>
+                </p:cond>
+              </p:nextCondLst>
+            </p:seq>
+          </p:childTnLst>
+        </p:cTn>
       </p:par>
     </p:tnLst>
+    <p:bldLst>
+      <p:bldP spid="3" grpId="0"/>
+    </p:bldLst>
   </p:timing>
 </p:sld>
 </file>
@@ -9165,7 +9409,7 @@
                   </a:outerShdw>
                 </a:effectLst>
               </a:rPr>
-              <a:t>12,000 </a:t>
+              <a:t>16,000 </a:t>
             </a:r>
             <a:r>
               <a:rPr lang="en-US" sz="5400" dirty="0" smtClean="0">
@@ -9278,9 +9522,80 @@
   <p:timing>
     <p:tnLst>
       <p:par>
-        <p:cTn id="1" dur="indefinite" restart="never" nodeType="tmRoot"/>
+        <p:cTn id="1" dur="indefinite" restart="never" nodeType="tmRoot">
+          <p:childTnLst>
+            <p:seq concurrent="1" nextAc="seek">
+              <p:cTn id="2" dur="indefinite" nodeType="mainSeq">
+                <p:childTnLst>
+                  <p:par>
+                    <p:cTn id="3" fill="hold">
+                      <p:stCondLst>
+                        <p:cond delay="indefinite"/>
+                      </p:stCondLst>
+                      <p:childTnLst>
+                        <p:par>
+                          <p:cTn id="4" fill="hold">
+                            <p:stCondLst>
+                              <p:cond delay="0"/>
+                            </p:stCondLst>
+                            <p:childTnLst>
+                              <p:par>
+                                <p:cTn id="5" presetID="1" presetClass="entr" presetSubtype="0" fill="hold" grpId="0" nodeType="clickEffect">
+                                  <p:stCondLst>
+                                    <p:cond delay="0"/>
+                                  </p:stCondLst>
+                                  <p:childTnLst>
+                                    <p:set>
+                                      <p:cBhvr>
+                                        <p:cTn id="6" dur="1" fill="hold">
+                                          <p:stCondLst>
+                                            <p:cond delay="0"/>
+                                          </p:stCondLst>
+                                        </p:cTn>
+                                        <p:tgtEl>
+                                          <p:spTgt spid="2"/>
+                                        </p:tgtEl>
+                                        <p:attrNameLst>
+                                          <p:attrName>style.visibility</p:attrName>
+                                        </p:attrNameLst>
+                                      </p:cBhvr>
+                                      <p:to>
+                                        <p:strVal val="visible"/>
+                                      </p:to>
+                                    </p:set>
+                                  </p:childTnLst>
+                                </p:cTn>
+                              </p:par>
+                            </p:childTnLst>
+                          </p:cTn>
+                        </p:par>
+                      </p:childTnLst>
+                    </p:cTn>
+                  </p:par>
+                </p:childTnLst>
+              </p:cTn>
+              <p:prevCondLst>
+                <p:cond evt="onPrev" delay="0">
+                  <p:tgtEl>
+                    <p:sldTgt/>
+                  </p:tgtEl>
+                </p:cond>
+              </p:prevCondLst>
+              <p:nextCondLst>
+                <p:cond evt="onNext" delay="0">
+                  <p:tgtEl>
+                    <p:sldTgt/>
+                  </p:tgtEl>
+                </p:cond>
+              </p:nextCondLst>
+            </p:seq>
+          </p:childTnLst>
+        </p:cTn>
       </p:par>
     </p:tnLst>
+    <p:bldLst>
+      <p:bldP spid="2" grpId="0"/>
+    </p:bldLst>
   </p:timing>
 </p:sld>
 </file>
@@ -9639,7 +9954,7 @@
                   </a:outerShdw>
                 </a:effectLst>
               </a:rPr>
-              <a:t>Level 5 - $</a:t>
+              <a:t>Level 5 - </a:t>
             </a:r>
             <a:r>
               <a:rPr lang="en-US" sz="5400" dirty="0" smtClean="0">
@@ -9655,7 +9970,39 @@
                   </a:outerShdw>
                 </a:effectLst>
               </a:rPr>
-              <a:t>18,500 </a:t>
+              <a:t>$</a:t>
+            </a:r>
+            <a:r>
+              <a:rPr lang="en-US" sz="5400" dirty="0" smtClean="0">
+                <a:ln w="0"/>
+                <a:solidFill>
+                  <a:schemeClr val="accent1"/>
+                </a:solidFill>
+                <a:effectLst>
+                  <a:outerShdw blurRad="38100" dist="25400" dir="5400000" algn="ctr" rotWithShape="0">
+                    <a:srgbClr val="6E747A">
+                      <a:alpha val="43000"/>
+                    </a:srgbClr>
+                  </a:outerShdw>
+                </a:effectLst>
+              </a:rPr>
+              <a:t>20</a:t>
+            </a:r>
+            <a:r>
+              <a:rPr lang="en-US" sz="5400" dirty="0" smtClean="0">
+                <a:ln w="0"/>
+                <a:solidFill>
+                  <a:schemeClr val="accent1"/>
+                </a:solidFill>
+                <a:effectLst>
+                  <a:outerShdw blurRad="38100" dist="25400" dir="5400000" algn="ctr" rotWithShape="0">
+                    <a:srgbClr val="6E747A">
+                      <a:alpha val="43000"/>
+                    </a:srgbClr>
+                  </a:outerShdw>
+                </a:effectLst>
+              </a:rPr>
+              <a:t>,000 </a:t>
             </a:r>
             <a:r>
               <a:rPr lang="en-US" sz="5400" dirty="0" smtClean="0">
@@ -9761,9 +10108,80 @@
   <p:timing>
     <p:tnLst>
       <p:par>
-        <p:cTn id="1" dur="indefinite" restart="never" nodeType="tmRoot"/>
+        <p:cTn id="1" dur="indefinite" restart="never" nodeType="tmRoot">
+          <p:childTnLst>
+            <p:seq concurrent="1" nextAc="seek">
+              <p:cTn id="2" dur="indefinite" nodeType="mainSeq">
+                <p:childTnLst>
+                  <p:par>
+                    <p:cTn id="3" fill="hold">
+                      <p:stCondLst>
+                        <p:cond delay="indefinite"/>
+                      </p:stCondLst>
+                      <p:childTnLst>
+                        <p:par>
+                          <p:cTn id="4" fill="hold">
+                            <p:stCondLst>
+                              <p:cond delay="0"/>
+                            </p:stCondLst>
+                            <p:childTnLst>
+                              <p:par>
+                                <p:cTn id="5" presetID="1" presetClass="entr" presetSubtype="0" fill="hold" grpId="0" nodeType="clickEffect">
+                                  <p:stCondLst>
+                                    <p:cond delay="0"/>
+                                  </p:stCondLst>
+                                  <p:childTnLst>
+                                    <p:set>
+                                      <p:cBhvr>
+                                        <p:cTn id="6" dur="1" fill="hold">
+                                          <p:stCondLst>
+                                            <p:cond delay="0"/>
+                                          </p:stCondLst>
+                                        </p:cTn>
+                                        <p:tgtEl>
+                                          <p:spTgt spid="2"/>
+                                        </p:tgtEl>
+                                        <p:attrNameLst>
+                                          <p:attrName>style.visibility</p:attrName>
+                                        </p:attrNameLst>
+                                      </p:cBhvr>
+                                      <p:to>
+                                        <p:strVal val="visible"/>
+                                      </p:to>
+                                    </p:set>
+                                  </p:childTnLst>
+                                </p:cTn>
+                              </p:par>
+                            </p:childTnLst>
+                          </p:cTn>
+                        </p:par>
+                      </p:childTnLst>
+                    </p:cTn>
+                  </p:par>
+                </p:childTnLst>
+              </p:cTn>
+              <p:prevCondLst>
+                <p:cond evt="onPrev" delay="0">
+                  <p:tgtEl>
+                    <p:sldTgt/>
+                  </p:tgtEl>
+                </p:cond>
+              </p:prevCondLst>
+              <p:nextCondLst>
+                <p:cond evt="onNext" delay="0">
+                  <p:tgtEl>
+                    <p:sldTgt/>
+                  </p:tgtEl>
+                </p:cond>
+              </p:nextCondLst>
+            </p:seq>
+          </p:childTnLst>
+        </p:cTn>
       </p:par>
     </p:tnLst>
+    <p:bldLst>
+      <p:bldP spid="2" grpId="0"/>
+    </p:bldLst>
   </p:timing>
 </p:sld>
 </file>
@@ -9922,6 +10340,13 @@
   <p:clrMapOvr>
     <a:masterClrMapping/>
   </p:clrMapOvr>
+  <p:timing>
+    <p:tnLst>
+      <p:par>
+        <p:cTn id="1" dur="indefinite" restart="never" nodeType="tmRoot"/>
+      </p:par>
+    </p:tnLst>
+  </p:timing>
 </p:sld>
 </file>
 

--- a/Business/Charlie Personal Archives/Presentation/Finance Incentive Program.pptx
+++ b/Business/Charlie Personal Archives/Presentation/Finance Incentive Program.pptx
@@ -204,7 +204,7 @@
           <a:p>
             <a:fld id="{79C6A49C-1803-4A28-8D90-751DD6DAEE6E}" type="datetimeFigureOut">
               <a:rPr lang="en-US" smtClean="0"/>
-              <a:t>9/8/2019</a:t>
+              <a:t>9/9/2019</a:t>
             </a:fld>
             <a:endParaRPr lang="en-US"/>
           </a:p>
@@ -657,7 +657,7 @@
           <a:p>
             <a:fld id="{DC4FF77B-AB05-463F-8388-E3EF4DCD9159}" type="datetimeFigureOut">
               <a:rPr lang="en-US" smtClean="0"/>
-              <a:t>9/8/2019</a:t>
+              <a:t>9/9/2019</a:t>
             </a:fld>
             <a:endParaRPr lang="en-US"/>
           </a:p>
@@ -955,7 +955,7 @@
           <a:p>
             <a:fld id="{DC4FF77B-AB05-463F-8388-E3EF4DCD9159}" type="datetimeFigureOut">
               <a:rPr lang="en-US" smtClean="0"/>
-              <a:t>9/8/2019</a:t>
+              <a:t>9/9/2019</a:t>
             </a:fld>
             <a:endParaRPr lang="en-US"/>
           </a:p>
@@ -1147,7 +1147,7 @@
           <a:p>
             <a:fld id="{DC4FF77B-AB05-463F-8388-E3EF4DCD9159}" type="datetimeFigureOut">
               <a:rPr lang="en-US" smtClean="0"/>
-              <a:t>9/8/2019</a:t>
+              <a:t>9/9/2019</a:t>
             </a:fld>
             <a:endParaRPr lang="en-US"/>
           </a:p>
@@ -1408,7 +1408,7 @@
           <a:p>
             <a:fld id="{DC4FF77B-AB05-463F-8388-E3EF4DCD9159}" type="datetimeFigureOut">
               <a:rPr lang="en-US" smtClean="0"/>
-              <a:t>9/8/2019</a:t>
+              <a:t>9/9/2019</a:t>
             </a:fld>
             <a:endParaRPr lang="en-US"/>
           </a:p>
@@ -1832,7 +1832,7 @@
           <a:p>
             <a:fld id="{DC4FF77B-AB05-463F-8388-E3EF4DCD9159}" type="datetimeFigureOut">
               <a:rPr lang="en-US" smtClean="0"/>
-              <a:t>9/8/2019</a:t>
+              <a:t>9/9/2019</a:t>
             </a:fld>
             <a:endParaRPr lang="en-US"/>
           </a:p>
@@ -2369,7 +2369,7 @@
           <a:p>
             <a:fld id="{DC4FF77B-AB05-463F-8388-E3EF4DCD9159}" type="datetimeFigureOut">
               <a:rPr lang="en-US" smtClean="0"/>
-              <a:t>9/8/2019</a:t>
+              <a:t>9/9/2019</a:t>
             </a:fld>
             <a:endParaRPr lang="en-US"/>
           </a:p>
@@ -3233,7 +3233,7 @@
           <a:p>
             <a:fld id="{DC4FF77B-AB05-463F-8388-E3EF4DCD9159}" type="datetimeFigureOut">
               <a:rPr lang="en-US" smtClean="0"/>
-              <a:t>9/8/2019</a:t>
+              <a:t>9/9/2019</a:t>
             </a:fld>
             <a:endParaRPr lang="en-US"/>
           </a:p>
@@ -3403,7 +3403,7 @@
           <a:p>
             <a:fld id="{DC4FF77B-AB05-463F-8388-E3EF4DCD9159}" type="datetimeFigureOut">
               <a:rPr lang="en-US" smtClean="0"/>
-              <a:t>9/8/2019</a:t>
+              <a:t>9/9/2019</a:t>
             </a:fld>
             <a:endParaRPr lang="en-US"/>
           </a:p>
@@ -3587,7 +3587,7 @@
           <a:p>
             <a:fld id="{DC4FF77B-AB05-463F-8388-E3EF4DCD9159}" type="datetimeFigureOut">
               <a:rPr lang="en-US" smtClean="0"/>
-              <a:t>9/8/2019</a:t>
+              <a:t>9/9/2019</a:t>
             </a:fld>
             <a:endParaRPr lang="en-US"/>
           </a:p>
@@ -3757,7 +3757,7 @@
           <a:p>
             <a:fld id="{DC4FF77B-AB05-463F-8388-E3EF4DCD9159}" type="datetimeFigureOut">
               <a:rPr lang="en-US" smtClean="0"/>
-              <a:t>9/8/2019</a:t>
+              <a:t>9/9/2019</a:t>
             </a:fld>
             <a:endParaRPr lang="en-US"/>
           </a:p>
@@ -4001,7 +4001,7 @@
           <a:p>
             <a:fld id="{DC4FF77B-AB05-463F-8388-E3EF4DCD9159}" type="datetimeFigureOut">
               <a:rPr lang="en-US" smtClean="0"/>
-              <a:t>9/8/2019</a:t>
+              <a:t>9/9/2019</a:t>
             </a:fld>
             <a:endParaRPr lang="en-US"/>
           </a:p>
@@ -4237,7 +4237,7 @@
           <a:p>
             <a:fld id="{DC4FF77B-AB05-463F-8388-E3EF4DCD9159}" type="datetimeFigureOut">
               <a:rPr lang="en-US" smtClean="0"/>
-              <a:t>9/8/2019</a:t>
+              <a:t>9/9/2019</a:t>
             </a:fld>
             <a:endParaRPr lang="en-US"/>
           </a:p>
@@ -4703,7 +4703,7 @@
           <a:p>
             <a:fld id="{DC4FF77B-AB05-463F-8388-E3EF4DCD9159}" type="datetimeFigureOut">
               <a:rPr lang="en-US" smtClean="0"/>
-              <a:t>9/8/2019</a:t>
+              <a:t>9/9/2019</a:t>
             </a:fld>
             <a:endParaRPr lang="en-US"/>
           </a:p>
@@ -4821,7 +4821,7 @@
           <a:p>
             <a:fld id="{DC4FF77B-AB05-463F-8388-E3EF4DCD9159}" type="datetimeFigureOut">
               <a:rPr lang="en-US" smtClean="0"/>
-              <a:t>9/8/2019</a:t>
+              <a:t>9/9/2019</a:t>
             </a:fld>
             <a:endParaRPr lang="en-US"/>
           </a:p>
@@ -4916,7 +4916,7 @@
           <a:p>
             <a:fld id="{DC4FF77B-AB05-463F-8388-E3EF4DCD9159}" type="datetimeFigureOut">
               <a:rPr lang="en-US" smtClean="0"/>
-              <a:t>9/8/2019</a:t>
+              <a:t>9/9/2019</a:t>
             </a:fld>
             <a:endParaRPr lang="en-US"/>
           </a:p>
@@ -5171,7 +5171,7 @@
           <a:p>
             <a:fld id="{DC4FF77B-AB05-463F-8388-E3EF4DCD9159}" type="datetimeFigureOut">
               <a:rPr lang="en-US" smtClean="0"/>
-              <a:t>9/8/2019</a:t>
+              <a:t>9/9/2019</a:t>
             </a:fld>
             <a:endParaRPr lang="en-US"/>
           </a:p>
@@ -5471,7 +5471,7 @@
           <a:p>
             <a:fld id="{DC4FF77B-AB05-463F-8388-E3EF4DCD9159}" type="datetimeFigureOut">
               <a:rPr lang="en-US" smtClean="0"/>
-              <a:t>9/8/2019</a:t>
+              <a:t>9/9/2019</a:t>
             </a:fld>
             <a:endParaRPr lang="en-US"/>
           </a:p>
@@ -5705,7 +5705,7 @@
           <a:p>
             <a:fld id="{DC4FF77B-AB05-463F-8388-E3EF4DCD9159}" type="datetimeFigureOut">
               <a:rPr lang="en-US" smtClean="0"/>
-              <a:t>9/8/2019</a:t>
+              <a:t>9/9/2019</a:t>
             </a:fld>
             <a:endParaRPr lang="en-US"/>
           </a:p>
@@ -7265,21 +7265,8 @@
             </a:pPr>
             <a:r>
               <a:rPr lang="en-US" dirty="0" smtClean="0"/>
-              <a:t>Non-monetary donations will be estimated for their </a:t>
-            </a:r>
-            <a:r>
-              <a:rPr lang="en-US" dirty="0" smtClean="0"/>
-              <a:t>worth/expected worth in the future </a:t>
-            </a:r>
-            <a:r>
-              <a:rPr lang="en-US" dirty="0" smtClean="0"/>
-              <a:t>to the </a:t>
-            </a:r>
-            <a:r>
-              <a:rPr lang="en-US" dirty="0" smtClean="0"/>
-              <a:t>team.</a:t>
-            </a:r>
-            <a:endParaRPr lang="en-US" dirty="0" smtClean="0"/>
+              <a:t>Non-monetary donations will be estimated for their worth/expected worth in the future to the team.</a:t>
+            </a:r>
           </a:p>
           <a:p>
             <a:pPr marL="342900" indent="-342900">
@@ -7290,7 +7277,6 @@
               <a:rPr lang="en-US" dirty="0" smtClean="0"/>
               <a:t>This is mostly a team-based competition (explained later). </a:t>
             </a:r>
-            <a:endParaRPr lang="en-US" dirty="0" smtClean="0"/>
           </a:p>
           <a:p>
             <a:pPr marL="342900" indent="-342900">
@@ -7686,39 +7672,7 @@
                   </a:outerShdw>
                 </a:effectLst>
               </a:rPr>
-              <a:t>Level 1 - </a:t>
-            </a:r>
-            <a:r>
-              <a:rPr lang="en-US" sz="5400" dirty="0" smtClean="0">
-                <a:ln w="0"/>
-                <a:solidFill>
-                  <a:schemeClr val="accent1"/>
-                </a:solidFill>
-                <a:effectLst>
-                  <a:outerShdw blurRad="38100" dist="25400" dir="5400000" algn="ctr" rotWithShape="0">
-                    <a:srgbClr val="6E747A">
-                      <a:alpha val="43000"/>
-                    </a:srgbClr>
-                  </a:outerShdw>
-                </a:effectLst>
-              </a:rPr>
-              <a:t>$5,000 </a:t>
-            </a:r>
-            <a:r>
-              <a:rPr lang="en-US" sz="5400" dirty="0" smtClean="0">
-                <a:ln w="0"/>
-                <a:solidFill>
-                  <a:schemeClr val="accent1"/>
-                </a:solidFill>
-                <a:effectLst>
-                  <a:outerShdw blurRad="38100" dist="25400" dir="5400000" algn="ctr" rotWithShape="0">
-                    <a:srgbClr val="6E747A">
-                      <a:alpha val="43000"/>
-                    </a:srgbClr>
-                  </a:outerShdw>
-                </a:effectLst>
-              </a:rPr>
-              <a:t>Total</a:t>
+              <a:t>Level 1 - $5,000 Total</a:t>
             </a:r>
             <a:endParaRPr lang="en-US" sz="5400" b="0" cap="none" spc="0" dirty="0">
               <a:ln w="0"/>
@@ -8240,39 +8194,7 @@
                   </a:outerShdw>
                 </a:effectLst>
               </a:rPr>
-              <a:t>Level 2 - </a:t>
-            </a:r>
-            <a:r>
-              <a:rPr lang="en-US" sz="5400" dirty="0" smtClean="0">
-                <a:ln w="0"/>
-                <a:solidFill>
-                  <a:schemeClr val="accent1"/>
-                </a:solidFill>
-                <a:effectLst>
-                  <a:outerShdw blurRad="38100" dist="25400" dir="5400000" algn="ctr" rotWithShape="0">
-                    <a:srgbClr val="6E747A">
-                      <a:alpha val="43000"/>
-                    </a:srgbClr>
-                  </a:outerShdw>
-                </a:effectLst>
-              </a:rPr>
-              <a:t>$8,000 </a:t>
-            </a:r>
-            <a:r>
-              <a:rPr lang="en-US" sz="5400" dirty="0" smtClean="0">
-                <a:ln w="0"/>
-                <a:solidFill>
-                  <a:schemeClr val="accent1"/>
-                </a:solidFill>
-                <a:effectLst>
-                  <a:outerShdw blurRad="38100" dist="25400" dir="5400000" algn="ctr" rotWithShape="0">
-                    <a:srgbClr val="6E747A">
-                      <a:alpha val="43000"/>
-                    </a:srgbClr>
-                  </a:outerShdw>
-                </a:effectLst>
-              </a:rPr>
-              <a:t>Total</a:t>
+              <a:t>Level 2 - $8,000 Total</a:t>
             </a:r>
             <a:endParaRPr lang="en-US" sz="5400" b="0" cap="none" spc="0" dirty="0">
               <a:ln w="0"/>
@@ -8806,39 +8728,7 @@
                   </a:outerShdw>
                 </a:effectLst>
               </a:rPr>
-              <a:t>Level 3 - </a:t>
-            </a:r>
-            <a:r>
-              <a:rPr lang="en-US" sz="5400" dirty="0" smtClean="0">
-                <a:ln w="0"/>
-                <a:solidFill>
-                  <a:schemeClr val="accent1"/>
-                </a:solidFill>
-                <a:effectLst>
-                  <a:outerShdw blurRad="38100" dist="25400" dir="5400000" algn="ctr" rotWithShape="0">
-                    <a:srgbClr val="6E747A">
-                      <a:alpha val="43000"/>
-                    </a:srgbClr>
-                  </a:outerShdw>
-                </a:effectLst>
-              </a:rPr>
-              <a:t>$12,000 </a:t>
-            </a:r>
-            <a:r>
-              <a:rPr lang="en-US" sz="5400" dirty="0" smtClean="0">
-                <a:ln w="0"/>
-                <a:solidFill>
-                  <a:schemeClr val="accent1"/>
-                </a:solidFill>
-                <a:effectLst>
-                  <a:outerShdw blurRad="38100" dist="25400" dir="5400000" algn="ctr" rotWithShape="0">
-                    <a:srgbClr val="6E747A">
-                      <a:alpha val="43000"/>
-                    </a:srgbClr>
-                  </a:outerShdw>
-                </a:effectLst>
-              </a:rPr>
-              <a:t>Total</a:t>
+              <a:t>Level 3 - $12,000 Total</a:t>
             </a:r>
             <a:endParaRPr lang="en-US" sz="5400" b="0" cap="none" spc="0" dirty="0">
               <a:ln w="0"/>
@@ -9393,7 +9283,7 @@
                   </a:outerShdw>
                 </a:effectLst>
               </a:rPr>
-              <a:t>Level 4 - $</a:t>
+              <a:t>Level 4 - </a:t>
             </a:r>
             <a:r>
               <a:rPr lang="en-US" sz="5400" dirty="0" smtClean="0">
@@ -9409,7 +9299,39 @@
                   </a:outerShdw>
                 </a:effectLst>
               </a:rPr>
-              <a:t>16,000 </a:t>
+              <a:t>$</a:t>
+            </a:r>
+            <a:r>
+              <a:rPr lang="en-US" sz="5400" dirty="0" smtClean="0">
+                <a:ln w="0"/>
+                <a:solidFill>
+                  <a:schemeClr val="accent1"/>
+                </a:solidFill>
+                <a:effectLst>
+                  <a:outerShdw blurRad="38100" dist="25400" dir="5400000" algn="ctr" rotWithShape="0">
+                    <a:srgbClr val="6E747A">
+                      <a:alpha val="43000"/>
+                    </a:srgbClr>
+                  </a:outerShdw>
+                </a:effectLst>
+              </a:rPr>
+              <a:t>20</a:t>
+            </a:r>
+            <a:r>
+              <a:rPr lang="en-US" sz="5400" dirty="0" smtClean="0">
+                <a:ln w="0"/>
+                <a:solidFill>
+                  <a:schemeClr val="accent1"/>
+                </a:solidFill>
+                <a:effectLst>
+                  <a:outerShdw blurRad="38100" dist="25400" dir="5400000" algn="ctr" rotWithShape="0">
+                    <a:srgbClr val="6E747A">
+                      <a:alpha val="43000"/>
+                    </a:srgbClr>
+                  </a:outerShdw>
+                </a:effectLst>
+              </a:rPr>
+              <a:t>,000 </a:t>
             </a:r>
             <a:r>
               <a:rPr lang="en-US" sz="5400" dirty="0" smtClean="0">
@@ -9954,7 +9876,7 @@
                   </a:outerShdw>
                 </a:effectLst>
               </a:rPr>
-              <a:t>Level 5 - </a:t>
+              <a:t>Level 5 - $</a:t>
             </a:r>
             <a:r>
               <a:rPr lang="en-US" sz="5400" dirty="0" smtClean="0">
@@ -9970,39 +9892,7 @@
                   </a:outerShdw>
                 </a:effectLst>
               </a:rPr>
-              <a:t>$</a:t>
-            </a:r>
-            <a:r>
-              <a:rPr lang="en-US" sz="5400" dirty="0" smtClean="0">
-                <a:ln w="0"/>
-                <a:solidFill>
-                  <a:schemeClr val="accent1"/>
-                </a:solidFill>
-                <a:effectLst>
-                  <a:outerShdw blurRad="38100" dist="25400" dir="5400000" algn="ctr" rotWithShape="0">
-                    <a:srgbClr val="6E747A">
-                      <a:alpha val="43000"/>
-                    </a:srgbClr>
-                  </a:outerShdw>
-                </a:effectLst>
-              </a:rPr>
-              <a:t>20</a:t>
-            </a:r>
-            <a:r>
-              <a:rPr lang="en-US" sz="5400" dirty="0" smtClean="0">
-                <a:ln w="0"/>
-                <a:solidFill>
-                  <a:schemeClr val="accent1"/>
-                </a:solidFill>
-                <a:effectLst>
-                  <a:outerShdw blurRad="38100" dist="25400" dir="5400000" algn="ctr" rotWithShape="0">
-                    <a:srgbClr val="6E747A">
-                      <a:alpha val="43000"/>
-                    </a:srgbClr>
-                  </a:outerShdw>
-                </a:effectLst>
-              </a:rPr>
-              <a:t>,000 </a:t>
+              <a:t>25,000 </a:t>
             </a:r>
             <a:r>
               <a:rPr lang="en-US" sz="5400" dirty="0" smtClean="0">

--- a/Business/Charlie Personal Archives/Presentation/Finance Incentive Program.pptx
+++ b/Business/Charlie Personal Archives/Presentation/Finance Incentive Program.pptx
@@ -268,38 +268,37 @@
           <a:p>
             <a:pPr lvl="0"/>
             <a:r>
-              <a:rPr lang="en-US" smtClean="0"/>
+              <a:rPr lang="en-US"/>
               <a:t>Edit Master text styles</a:t>
             </a:r>
           </a:p>
           <a:p>
             <a:pPr lvl="1"/>
             <a:r>
-              <a:rPr lang="en-US" smtClean="0"/>
+              <a:rPr lang="en-US"/>
               <a:t>Second level</a:t>
             </a:r>
           </a:p>
           <a:p>
             <a:pPr lvl="2"/>
             <a:r>
-              <a:rPr lang="en-US" smtClean="0"/>
+              <a:rPr lang="en-US"/>
               <a:t>Third level</a:t>
             </a:r>
           </a:p>
           <a:p>
             <a:pPr lvl="3"/>
             <a:r>
-              <a:rPr lang="en-US" smtClean="0"/>
+              <a:rPr lang="en-US"/>
               <a:t>Fourth level</a:t>
             </a:r>
           </a:p>
           <a:p>
             <a:pPr lvl="4"/>
             <a:r>
-              <a:rPr lang="en-US" smtClean="0"/>
+              <a:rPr lang="en-US"/>
               <a:t>Fifth level</a:t>
             </a:r>
-            <a:endParaRPr lang="en-US"/>
           </a:p>
         </p:txBody>
       </p:sp>
@@ -516,7 +515,7 @@
           </a:lstStyle>
           <a:p>
             <a:r>
-              <a:rPr lang="en-US" smtClean="0"/>
+              <a:rPr lang="en-US"/>
               <a:t>Click to edit Master title style</a:t>
             </a:r>
             <a:endParaRPr lang="en-US" dirty="0"/>
@@ -633,7 +632,7 @@
           </a:lstStyle>
           <a:p>
             <a:r>
-              <a:rPr lang="en-US" smtClean="0"/>
+              <a:rPr lang="en-US"/>
               <a:t>Click to edit Master subtitle style</a:t>
             </a:r>
             <a:endParaRPr lang="en-US" dirty="0"/>
@@ -792,7 +791,7 @@
           </a:lstStyle>
           <a:p>
             <a:r>
-              <a:rPr lang="en-US" smtClean="0"/>
+              <a:rPr lang="en-US"/>
               <a:t>Click to edit Master title style</a:t>
             </a:r>
             <a:endParaRPr lang="en-US" dirty="0"/>
@@ -866,7 +865,7 @@
           </a:lstStyle>
           <a:p>
             <a:r>
-              <a:rPr lang="en-US" smtClean="0"/>
+              <a:rPr lang="en-US"/>
               <a:t>Click icon to add picture</a:t>
             </a:r>
             <a:endParaRPr lang="en-US" dirty="0"/>
@@ -932,7 +931,7 @@
           <a:p>
             <a:pPr lvl="0"/>
             <a:r>
-              <a:rPr lang="en-US" smtClean="0"/>
+              <a:rPr lang="en-US"/>
               <a:t>Edit Master text styles</a:t>
             </a:r>
           </a:p>
@@ -1058,7 +1057,7 @@
           </a:lstStyle>
           <a:p>
             <a:r>
-              <a:rPr lang="en-US" smtClean="0"/>
+              <a:rPr lang="en-US"/>
               <a:t>Click to edit Master title style</a:t>
             </a:r>
             <a:endParaRPr lang="en-US" dirty="0"/>
@@ -1124,7 +1123,7 @@
           <a:p>
             <a:pPr lvl="0"/>
             <a:r>
-              <a:rPr lang="en-US" smtClean="0"/>
+              <a:rPr lang="en-US"/>
               <a:t>Edit Master text styles</a:t>
             </a:r>
           </a:p>
@@ -1250,7 +1249,7 @@
           </a:lstStyle>
           <a:p>
             <a:r>
-              <a:rPr lang="en-US" smtClean="0"/>
+              <a:rPr lang="en-US"/>
               <a:t>Click to edit Master title style</a:t>
             </a:r>
             <a:endParaRPr lang="en-US" dirty="0"/>
@@ -1318,7 +1317,7 @@
           <a:p>
             <a:pPr lvl="0"/>
             <a:r>
-              <a:rPr lang="en-US" smtClean="0"/>
+              <a:rPr lang="en-US"/>
               <a:t>Edit Master text styles</a:t>
             </a:r>
           </a:p>
@@ -1385,7 +1384,7 @@
           <a:p>
             <a:pPr lvl="0"/>
             <a:r>
-              <a:rPr lang="en-US" smtClean="0"/>
+              <a:rPr lang="en-US"/>
               <a:t>Edit Master text styles</a:t>
             </a:r>
           </a:p>
@@ -1743,7 +1742,7 @@
           </a:lstStyle>
           <a:p>
             <a:r>
-              <a:rPr lang="en-US" smtClean="0"/>
+              <a:rPr lang="en-US"/>
               <a:t>Click to edit Master title style</a:t>
             </a:r>
             <a:endParaRPr lang="en-US" dirty="0"/>
@@ -1809,7 +1808,7 @@
           <a:p>
             <a:pPr lvl="0"/>
             <a:r>
-              <a:rPr lang="en-US" smtClean="0"/>
+              <a:rPr lang="en-US"/>
               <a:t>Edit Master text styles</a:t>
             </a:r>
           </a:p>
@@ -1931,7 +1930,7 @@
           <a:lstStyle/>
           <a:p>
             <a:r>
-              <a:rPr lang="en-US" smtClean="0"/>
+              <a:rPr lang="en-US"/>
               <a:t>Click to edit Master title style</a:t>
             </a:r>
             <a:endParaRPr lang="en-US" dirty="0"/>
@@ -2003,7 +2002,7 @@
           <a:p>
             <a:pPr lvl="0"/>
             <a:r>
-              <a:rPr lang="en-US" smtClean="0"/>
+              <a:rPr lang="en-US"/>
               <a:t>Edit Master text styles</a:t>
             </a:r>
           </a:p>
@@ -2070,7 +2069,7 @@
           <a:p>
             <a:pPr lvl="0"/>
             <a:r>
-              <a:rPr lang="en-US" smtClean="0"/>
+              <a:rPr lang="en-US"/>
               <a:t>Edit Master text styles</a:t>
             </a:r>
           </a:p>
@@ -2141,7 +2140,7 @@
           <a:p>
             <a:pPr lvl="0"/>
             <a:r>
-              <a:rPr lang="en-US" smtClean="0"/>
+              <a:rPr lang="en-US"/>
               <a:t>Edit Master text styles</a:t>
             </a:r>
           </a:p>
@@ -2208,7 +2207,7 @@
           <a:p>
             <a:pPr lvl="0"/>
             <a:r>
-              <a:rPr lang="en-US" smtClean="0"/>
+              <a:rPr lang="en-US"/>
               <a:t>Edit Master text styles</a:t>
             </a:r>
           </a:p>
@@ -2279,7 +2278,7 @@
           <a:p>
             <a:pPr lvl="0"/>
             <a:r>
-              <a:rPr lang="en-US" smtClean="0"/>
+              <a:rPr lang="en-US"/>
               <a:t>Edit Master text styles</a:t>
             </a:r>
           </a:p>
@@ -2346,7 +2345,7 @@
           <a:p>
             <a:pPr lvl="0"/>
             <a:r>
-              <a:rPr lang="en-US" smtClean="0"/>
+              <a:rPr lang="en-US"/>
               <a:t>Edit Master text styles</a:t>
             </a:r>
           </a:p>
@@ -2558,7 +2557,7 @@
           <a:lstStyle/>
           <a:p>
             <a:r>
-              <a:rPr lang="en-US" smtClean="0"/>
+              <a:rPr lang="en-US"/>
               <a:t>Click to edit Master title style</a:t>
             </a:r>
             <a:endParaRPr lang="en-US" dirty="0"/>
@@ -2630,7 +2629,7 @@
           <a:p>
             <a:pPr lvl="0"/>
             <a:r>
-              <a:rPr lang="en-US" smtClean="0"/>
+              <a:rPr lang="en-US"/>
               <a:t>Edit Master text styles</a:t>
             </a:r>
           </a:p>
@@ -2708,7 +2707,7 @@
           </a:lstStyle>
           <a:p>
             <a:r>
-              <a:rPr lang="en-US" smtClean="0"/>
+              <a:rPr lang="en-US"/>
               <a:t>Click icon to add picture</a:t>
             </a:r>
             <a:endParaRPr lang="en-US" dirty="0"/>
@@ -2776,7 +2775,7 @@
           <a:p>
             <a:pPr lvl="0"/>
             <a:r>
-              <a:rPr lang="en-US" smtClean="0"/>
+              <a:rPr lang="en-US"/>
               <a:t>Edit Master text styles</a:t>
             </a:r>
           </a:p>
@@ -2847,7 +2846,7 @@
           <a:p>
             <a:pPr lvl="0"/>
             <a:r>
-              <a:rPr lang="en-US" smtClean="0"/>
+              <a:rPr lang="en-US"/>
               <a:t>Edit Master text styles</a:t>
             </a:r>
           </a:p>
@@ -2925,7 +2924,7 @@
           </a:lstStyle>
           <a:p>
             <a:r>
-              <a:rPr lang="en-US" smtClean="0"/>
+              <a:rPr lang="en-US"/>
               <a:t>Click icon to add picture</a:t>
             </a:r>
             <a:endParaRPr lang="en-US" dirty="0"/>
@@ -2993,7 +2992,7 @@
           <a:p>
             <a:pPr lvl="0"/>
             <a:r>
-              <a:rPr lang="en-US" smtClean="0"/>
+              <a:rPr lang="en-US"/>
               <a:t>Edit Master text styles</a:t>
             </a:r>
           </a:p>
@@ -3064,7 +3063,7 @@
           <a:p>
             <a:pPr lvl="0"/>
             <a:r>
-              <a:rPr lang="en-US" smtClean="0"/>
+              <a:rPr lang="en-US"/>
               <a:t>Edit Master text styles</a:t>
             </a:r>
           </a:p>
@@ -3142,7 +3141,7 @@
           </a:lstStyle>
           <a:p>
             <a:r>
-              <a:rPr lang="en-US" smtClean="0"/>
+              <a:rPr lang="en-US"/>
               <a:t>Click icon to add picture</a:t>
             </a:r>
             <a:endParaRPr lang="en-US" dirty="0"/>
@@ -3210,7 +3209,7 @@
           <a:p>
             <a:pPr lvl="0"/>
             <a:r>
-              <a:rPr lang="en-US" smtClean="0"/>
+              <a:rPr lang="en-US"/>
               <a:t>Edit Master text styles</a:t>
             </a:r>
           </a:p>
@@ -3327,7 +3326,7 @@
           <a:lstStyle/>
           <a:p>
             <a:r>
-              <a:rPr lang="en-US" smtClean="0"/>
+              <a:rPr lang="en-US"/>
               <a:t>Click to edit Master title style</a:t>
             </a:r>
             <a:endParaRPr lang="en-US" dirty="0"/>
@@ -3351,35 +3350,35 @@
           <a:p>
             <a:pPr lvl="0"/>
             <a:r>
-              <a:rPr lang="en-US" smtClean="0"/>
+              <a:rPr lang="en-US"/>
               <a:t>Edit Master text styles</a:t>
             </a:r>
           </a:p>
           <a:p>
             <a:pPr lvl="1"/>
             <a:r>
-              <a:rPr lang="en-US" smtClean="0"/>
+              <a:rPr lang="en-US"/>
               <a:t>Second level</a:t>
             </a:r>
           </a:p>
           <a:p>
             <a:pPr lvl="2"/>
             <a:r>
-              <a:rPr lang="en-US" smtClean="0"/>
+              <a:rPr lang="en-US"/>
               <a:t>Third level</a:t>
             </a:r>
           </a:p>
           <a:p>
             <a:pPr lvl="3"/>
             <a:r>
-              <a:rPr lang="en-US" smtClean="0"/>
+              <a:rPr lang="en-US"/>
               <a:t>Fourth level</a:t>
             </a:r>
           </a:p>
           <a:p>
             <a:pPr lvl="4"/>
             <a:r>
-              <a:rPr lang="en-US" smtClean="0"/>
+              <a:rPr lang="en-US"/>
               <a:t>Fifth level</a:t>
             </a:r>
             <a:endParaRPr lang="en-US" dirty="0"/>
@@ -3506,7 +3505,7 @@
           </a:lstStyle>
           <a:p>
             <a:r>
-              <a:rPr lang="en-US" smtClean="0"/>
+              <a:rPr lang="en-US"/>
               <a:t>Click to edit Master title style</a:t>
             </a:r>
             <a:endParaRPr lang="en-US" dirty="0"/>
@@ -3535,35 +3534,35 @@
           <a:p>
             <a:pPr lvl="0"/>
             <a:r>
-              <a:rPr lang="en-US" smtClean="0"/>
+              <a:rPr lang="en-US"/>
               <a:t>Edit Master text styles</a:t>
             </a:r>
           </a:p>
           <a:p>
             <a:pPr lvl="1"/>
             <a:r>
-              <a:rPr lang="en-US" smtClean="0"/>
+              <a:rPr lang="en-US"/>
               <a:t>Second level</a:t>
             </a:r>
           </a:p>
           <a:p>
             <a:pPr lvl="2"/>
             <a:r>
-              <a:rPr lang="en-US" smtClean="0"/>
+              <a:rPr lang="en-US"/>
               <a:t>Third level</a:t>
             </a:r>
           </a:p>
           <a:p>
             <a:pPr lvl="3"/>
             <a:r>
-              <a:rPr lang="en-US" smtClean="0"/>
+              <a:rPr lang="en-US"/>
               <a:t>Fourth level</a:t>
             </a:r>
           </a:p>
           <a:p>
             <a:pPr lvl="4"/>
             <a:r>
-              <a:rPr lang="en-US" smtClean="0"/>
+              <a:rPr lang="en-US"/>
               <a:t>Fifth level</a:t>
             </a:r>
             <a:endParaRPr lang="en-US" dirty="0"/>
@@ -3681,7 +3680,7 @@
           <a:lstStyle/>
           <a:p>
             <a:r>
-              <a:rPr lang="en-US" smtClean="0"/>
+              <a:rPr lang="en-US"/>
               <a:t>Click to edit Master title style</a:t>
             </a:r>
             <a:endParaRPr lang="en-US" dirty="0"/>
@@ -3705,35 +3704,35 @@
           <a:p>
             <a:pPr lvl="0"/>
             <a:r>
-              <a:rPr lang="en-US" smtClean="0"/>
+              <a:rPr lang="en-US"/>
               <a:t>Edit Master text styles</a:t>
             </a:r>
           </a:p>
           <a:p>
             <a:pPr lvl="1"/>
             <a:r>
-              <a:rPr lang="en-US" smtClean="0"/>
+              <a:rPr lang="en-US"/>
               <a:t>Second level</a:t>
             </a:r>
           </a:p>
           <a:p>
             <a:pPr lvl="2"/>
             <a:r>
-              <a:rPr lang="en-US" smtClean="0"/>
+              <a:rPr lang="en-US"/>
               <a:t>Third level</a:t>
             </a:r>
           </a:p>
           <a:p>
             <a:pPr lvl="3"/>
             <a:r>
-              <a:rPr lang="en-US" smtClean="0"/>
+              <a:rPr lang="en-US"/>
               <a:t>Fourth level</a:t>
             </a:r>
           </a:p>
           <a:p>
             <a:pPr lvl="4"/>
             <a:r>
-              <a:rPr lang="en-US" smtClean="0"/>
+              <a:rPr lang="en-US"/>
               <a:t>Fifth level</a:t>
             </a:r>
             <a:endParaRPr lang="en-US" dirty="0"/>
@@ -3860,7 +3859,7 @@
           </a:lstStyle>
           <a:p>
             <a:r>
-              <a:rPr lang="en-US" smtClean="0"/>
+              <a:rPr lang="en-US"/>
               <a:t>Click to edit Master title style</a:t>
             </a:r>
             <a:endParaRPr lang="en-US" dirty="0"/>
@@ -3978,7 +3977,7 @@
           <a:p>
             <a:pPr lvl="0"/>
             <a:r>
-              <a:rPr lang="en-US" smtClean="0"/>
+              <a:rPr lang="en-US"/>
               <a:t>Edit Master text styles</a:t>
             </a:r>
           </a:p>
@@ -4095,7 +4094,7 @@
           <a:lstStyle/>
           <a:p>
             <a:r>
-              <a:rPr lang="en-US" smtClean="0"/>
+              <a:rPr lang="en-US"/>
               <a:t>Click to edit Master title style</a:t>
             </a:r>
             <a:endParaRPr lang="en-US" dirty="0"/>
@@ -4126,35 +4125,35 @@
           <a:p>
             <a:pPr lvl="0"/>
             <a:r>
-              <a:rPr lang="en-US" smtClean="0"/>
+              <a:rPr lang="en-US"/>
               <a:t>Edit Master text styles</a:t>
             </a:r>
           </a:p>
           <a:p>
             <a:pPr lvl="1"/>
             <a:r>
-              <a:rPr lang="en-US" smtClean="0"/>
+              <a:rPr lang="en-US"/>
               <a:t>Second level</a:t>
             </a:r>
           </a:p>
           <a:p>
             <a:pPr lvl="2"/>
             <a:r>
-              <a:rPr lang="en-US" smtClean="0"/>
+              <a:rPr lang="en-US"/>
               <a:t>Third level</a:t>
             </a:r>
           </a:p>
           <a:p>
             <a:pPr lvl="3"/>
             <a:r>
-              <a:rPr lang="en-US" smtClean="0"/>
+              <a:rPr lang="en-US"/>
               <a:t>Fourth level</a:t>
             </a:r>
           </a:p>
           <a:p>
             <a:pPr lvl="4"/>
             <a:r>
-              <a:rPr lang="en-US" smtClean="0"/>
+              <a:rPr lang="en-US"/>
               <a:t>Fifth level</a:t>
             </a:r>
             <a:endParaRPr lang="en-US" dirty="0"/>
@@ -4185,35 +4184,35 @@
           <a:p>
             <a:pPr lvl="0"/>
             <a:r>
-              <a:rPr lang="en-US" smtClean="0"/>
+              <a:rPr lang="en-US"/>
               <a:t>Edit Master text styles</a:t>
             </a:r>
           </a:p>
           <a:p>
             <a:pPr lvl="1"/>
             <a:r>
-              <a:rPr lang="en-US" smtClean="0"/>
+              <a:rPr lang="en-US"/>
               <a:t>Second level</a:t>
             </a:r>
           </a:p>
           <a:p>
             <a:pPr lvl="2"/>
             <a:r>
-              <a:rPr lang="en-US" smtClean="0"/>
+              <a:rPr lang="en-US"/>
               <a:t>Third level</a:t>
             </a:r>
           </a:p>
           <a:p>
             <a:pPr lvl="3"/>
             <a:r>
-              <a:rPr lang="en-US" smtClean="0"/>
+              <a:rPr lang="en-US"/>
               <a:t>Fourth level</a:t>
             </a:r>
           </a:p>
           <a:p>
             <a:pPr lvl="4"/>
             <a:r>
-              <a:rPr lang="en-US" smtClean="0"/>
+              <a:rPr lang="en-US"/>
               <a:t>Fifth level</a:t>
             </a:r>
             <a:endParaRPr lang="en-US" dirty="0"/>
@@ -4395,7 +4394,7 @@
           </a:lstStyle>
           <a:p>
             <a:r>
-              <a:rPr lang="en-US" smtClean="0"/>
+              <a:rPr lang="en-US"/>
               <a:t>Click to edit Master title style</a:t>
             </a:r>
             <a:endParaRPr lang="en-US" dirty="0"/>
@@ -4463,7 +4462,7 @@
           <a:p>
             <a:pPr lvl="0"/>
             <a:r>
-              <a:rPr lang="en-US" smtClean="0"/>
+              <a:rPr lang="en-US"/>
               <a:t>Edit Master text styles</a:t>
             </a:r>
           </a:p>
@@ -4509,35 +4508,35 @@
           <a:p>
             <a:pPr lvl="0"/>
             <a:r>
-              <a:rPr lang="en-US" smtClean="0"/>
+              <a:rPr lang="en-US"/>
               <a:t>Edit Master text styles</a:t>
             </a:r>
           </a:p>
           <a:p>
             <a:pPr lvl="1"/>
             <a:r>
-              <a:rPr lang="en-US" smtClean="0"/>
+              <a:rPr lang="en-US"/>
               <a:t>Second level</a:t>
             </a:r>
           </a:p>
           <a:p>
             <a:pPr lvl="2"/>
             <a:r>
-              <a:rPr lang="en-US" smtClean="0"/>
+              <a:rPr lang="en-US"/>
               <a:t>Third level</a:t>
             </a:r>
           </a:p>
           <a:p>
             <a:pPr lvl="3"/>
             <a:r>
-              <a:rPr lang="en-US" smtClean="0"/>
+              <a:rPr lang="en-US"/>
               <a:t>Fourth level</a:t>
             </a:r>
           </a:p>
           <a:p>
             <a:pPr lvl="4"/>
             <a:r>
-              <a:rPr lang="en-US" smtClean="0"/>
+              <a:rPr lang="en-US"/>
               <a:t>Fifth level</a:t>
             </a:r>
             <a:endParaRPr lang="en-US" dirty="0"/>
@@ -4605,7 +4604,7 @@
           <a:p>
             <a:pPr lvl="0"/>
             <a:r>
-              <a:rPr lang="en-US" smtClean="0"/>
+              <a:rPr lang="en-US"/>
               <a:t>Edit Master text styles</a:t>
             </a:r>
           </a:p>
@@ -4651,35 +4650,35 @@
           <a:p>
             <a:pPr lvl="0"/>
             <a:r>
-              <a:rPr lang="en-US" smtClean="0"/>
+              <a:rPr lang="en-US"/>
               <a:t>Edit Master text styles</a:t>
             </a:r>
           </a:p>
           <a:p>
             <a:pPr lvl="1"/>
             <a:r>
-              <a:rPr lang="en-US" smtClean="0"/>
+              <a:rPr lang="en-US"/>
               <a:t>Second level</a:t>
             </a:r>
           </a:p>
           <a:p>
             <a:pPr lvl="2"/>
             <a:r>
-              <a:rPr lang="en-US" smtClean="0"/>
+              <a:rPr lang="en-US"/>
               <a:t>Third level</a:t>
             </a:r>
           </a:p>
           <a:p>
             <a:pPr lvl="3"/>
             <a:r>
-              <a:rPr lang="en-US" smtClean="0"/>
+              <a:rPr lang="en-US"/>
               <a:t>Fourth level</a:t>
             </a:r>
           </a:p>
           <a:p>
             <a:pPr lvl="4"/>
             <a:r>
-              <a:rPr lang="en-US" smtClean="0"/>
+              <a:rPr lang="en-US"/>
               <a:t>Fifth level</a:t>
             </a:r>
             <a:endParaRPr lang="en-US" dirty="0"/>
@@ -4797,7 +4796,7 @@
           <a:lstStyle/>
           <a:p>
             <a:r>
-              <a:rPr lang="en-US" smtClean="0"/>
+              <a:rPr lang="en-US"/>
               <a:t>Click to edit Master title style</a:t>
             </a:r>
             <a:endParaRPr lang="en-US" dirty="0"/>
@@ -5021,7 +5020,7 @@
           </a:lstStyle>
           <a:p>
             <a:r>
-              <a:rPr lang="en-US" smtClean="0"/>
+              <a:rPr lang="en-US"/>
               <a:t>Click to edit Master title style</a:t>
             </a:r>
             <a:endParaRPr lang="en-US" dirty="0"/>
@@ -5052,35 +5051,35 @@
           <a:p>
             <a:pPr lvl="0"/>
             <a:r>
-              <a:rPr lang="en-US" smtClean="0"/>
+              <a:rPr lang="en-US"/>
               <a:t>Edit Master text styles</a:t>
             </a:r>
           </a:p>
           <a:p>
             <a:pPr lvl="1"/>
             <a:r>
-              <a:rPr lang="en-US" smtClean="0"/>
+              <a:rPr lang="en-US"/>
               <a:t>Second level</a:t>
             </a:r>
           </a:p>
           <a:p>
             <a:pPr lvl="2"/>
             <a:r>
-              <a:rPr lang="en-US" smtClean="0"/>
+              <a:rPr lang="en-US"/>
               <a:t>Third level</a:t>
             </a:r>
           </a:p>
           <a:p>
             <a:pPr lvl="3"/>
             <a:r>
-              <a:rPr lang="en-US" smtClean="0"/>
+              <a:rPr lang="en-US"/>
               <a:t>Fourth level</a:t>
             </a:r>
           </a:p>
           <a:p>
             <a:pPr lvl="4"/>
             <a:r>
-              <a:rPr lang="en-US" smtClean="0"/>
+              <a:rPr lang="en-US"/>
               <a:t>Fifth level</a:t>
             </a:r>
             <a:endParaRPr lang="en-US" dirty="0"/>
@@ -5148,7 +5147,7 @@
           <a:p>
             <a:pPr lvl="0"/>
             <a:r>
-              <a:rPr lang="en-US" smtClean="0"/>
+              <a:rPr lang="en-US"/>
               <a:t>Edit Master text styles</a:t>
             </a:r>
           </a:p>
@@ -5306,7 +5305,7 @@
           </a:lstStyle>
           <a:p>
             <a:r>
-              <a:rPr lang="en-US" smtClean="0"/>
+              <a:rPr lang="en-US"/>
               <a:t>Click to edit Master title style</a:t>
             </a:r>
             <a:endParaRPr lang="en-US" dirty="0"/>
@@ -5380,7 +5379,7 @@
           </a:lstStyle>
           <a:p>
             <a:r>
-              <a:rPr lang="en-US" smtClean="0"/>
+              <a:rPr lang="en-US"/>
               <a:t>Click icon to add picture</a:t>
             </a:r>
             <a:endParaRPr lang="en-US" dirty="0"/>
@@ -5448,7 +5447,7 @@
           <a:p>
             <a:pPr lvl="0"/>
             <a:r>
-              <a:rPr lang="en-US" smtClean="0"/>
+              <a:rPr lang="en-US"/>
               <a:t>Edit Master text styles</a:t>
             </a:r>
           </a:p>
@@ -5587,7 +5586,7 @@
           <a:lstStyle/>
           <a:p>
             <a:r>
-              <a:rPr lang="en-US" smtClean="0"/>
+              <a:rPr lang="en-US"/>
               <a:t>Click to edit Master title style</a:t>
             </a:r>
             <a:endParaRPr lang="en-US" dirty="0"/>
@@ -5628,35 +5627,35 @@
           <a:p>
             <a:pPr lvl="0"/>
             <a:r>
-              <a:rPr lang="en-US" smtClean="0"/>
+              <a:rPr lang="en-US"/>
               <a:t>Edit Master text styles</a:t>
             </a:r>
           </a:p>
           <a:p>
             <a:pPr lvl="1"/>
             <a:r>
-              <a:rPr lang="en-US" smtClean="0"/>
+              <a:rPr lang="en-US"/>
               <a:t>Second level</a:t>
             </a:r>
           </a:p>
           <a:p>
             <a:pPr lvl="2"/>
             <a:r>
-              <a:rPr lang="en-US" smtClean="0"/>
+              <a:rPr lang="en-US"/>
               <a:t>Third level</a:t>
             </a:r>
           </a:p>
           <a:p>
             <a:pPr lvl="3"/>
             <a:r>
-              <a:rPr lang="en-US" smtClean="0"/>
+              <a:rPr lang="en-US"/>
               <a:t>Fourth level</a:t>
             </a:r>
           </a:p>
           <a:p>
             <a:pPr lvl="4"/>
             <a:r>
-              <a:rPr lang="en-US" smtClean="0"/>
+              <a:rPr lang="en-US"/>
               <a:t>Fifth level</a:t>
             </a:r>
             <a:endParaRPr lang="en-US" dirty="0"/>
@@ -6445,7 +6444,7 @@
           <a:lstStyle/>
           <a:p>
             <a:r>
-              <a:rPr lang="en-US" sz="2400" b="1" cap="none" dirty="0" smtClean="0">
+              <a:rPr lang="en-US" sz="2400" b="1" cap="none" dirty="0">
                 <a:ln w="9525">
                   <a:solidFill>
                     <a:schemeClr val="bg1"/>
@@ -6462,21 +6461,6 @@
               </a:rPr>
               <a:t>Finance Incentive Program</a:t>
             </a:r>
-            <a:endParaRPr lang="en-US" sz="2400" b="1" cap="none" dirty="0">
-              <a:ln w="9525">
-                <a:solidFill>
-                  <a:schemeClr val="bg1"/>
-                </a:solidFill>
-                <a:prstDash val="solid"/>
-              </a:ln>
-              <a:effectLst>
-                <a:outerShdw blurRad="12700" dist="38100" dir="2700000" algn="tl" rotWithShape="0">
-                  <a:schemeClr val="bg1">
-                    <a:lumMod val="50000"/>
-                  </a:schemeClr>
-                </a:outerShdw>
-              </a:effectLst>
-            </a:endParaRPr>
           </a:p>
         </p:txBody>
       </p:sp>
@@ -6845,13 +6829,6 @@
   <p:clrMapOvr>
     <a:masterClrMapping/>
   </p:clrMapOvr>
-  <p:timing>
-    <p:tnLst>
-      <p:par>
-        <p:cTn id="1" dur="indefinite" restart="never" nodeType="tmRoot"/>
-      </p:par>
-    </p:tnLst>
-  </p:timing>
 </p:sld>
 </file>
 
@@ -7196,7 +7173,7 @@
           <a:lstStyle/>
           <a:p>
             <a:r>
-              <a:rPr lang="en-US" sz="5400" dirty="0" smtClean="0">
+              <a:rPr lang="en-US" sz="5400" dirty="0">
                 <a:ln w="0"/>
                 <a:solidFill>
                   <a:schemeClr val="accent1"/>
@@ -7254,7 +7231,7 @@
               <a:buAutoNum type="arabicPeriod"/>
             </a:pPr>
             <a:r>
-              <a:rPr lang="en-US" dirty="0" smtClean="0"/>
+              <a:rPr lang="en-US" dirty="0"/>
               <a:t>The levels MUST be met, and as a new one is achieved, the other ones are gone.</a:t>
             </a:r>
           </a:p>
@@ -7264,7 +7241,7 @@
               <a:buAutoNum type="arabicPeriod"/>
             </a:pPr>
             <a:r>
-              <a:rPr lang="en-US" dirty="0" smtClean="0"/>
+              <a:rPr lang="en-US" dirty="0"/>
               <a:t>Non-monetary donations will be estimated for their worth/expected worth in the future to the team.</a:t>
             </a:r>
           </a:p>
@@ -7274,7 +7251,7 @@
               <a:buAutoNum type="arabicPeriod"/>
             </a:pPr>
             <a:r>
-              <a:rPr lang="en-US" dirty="0" smtClean="0"/>
+              <a:rPr lang="en-US" dirty="0"/>
               <a:t>This is mostly a team-based competition (explained later). </a:t>
             </a:r>
           </a:p>
@@ -7284,15 +7261,15 @@
               <a:buAutoNum type="arabicPeriod"/>
             </a:pPr>
             <a:r>
-              <a:rPr lang="en-US" dirty="0" smtClean="0"/>
+              <a:rPr lang="en-US" dirty="0"/>
               <a:t>Contest will end October 14</a:t>
             </a:r>
             <a:r>
-              <a:rPr lang="en-US" baseline="30000" dirty="0" smtClean="0"/>
+              <a:rPr lang="en-US" baseline="30000" dirty="0"/>
               <a:t>th</a:t>
             </a:r>
             <a:r>
-              <a:rPr lang="en-US" dirty="0" smtClean="0"/>
+              <a:rPr lang="en-US" dirty="0"/>
               <a:t>.</a:t>
             </a:r>
           </a:p>
@@ -7308,13 +7285,6 @@
   <p:clrMapOvr>
     <a:masterClrMapping/>
   </p:clrMapOvr>
-  <p:timing>
-    <p:tnLst>
-      <p:par>
-        <p:cTn id="1" dur="indefinite" restart="never" nodeType="tmRoot"/>
-      </p:par>
-    </p:tnLst>
-  </p:timing>
 </p:sld>
 </file>
 
@@ -7659,7 +7629,7 @@
           <a:lstStyle/>
           <a:p>
             <a:r>
-              <a:rPr lang="en-US" sz="5400" dirty="0" smtClean="0">
+              <a:rPr lang="en-US" sz="5400" dirty="0">
                 <a:ln w="0"/>
                 <a:solidFill>
                   <a:schemeClr val="accent1"/>
@@ -7713,7 +7683,7 @@
           <a:lstStyle/>
           <a:p>
             <a:r>
-              <a:rPr lang="en-US" sz="3200" dirty="0" smtClean="0"/>
+              <a:rPr lang="en-US" sz="3200" dirty="0"/>
               <a:t>SEDS BBQ outside the shop for lunch</a:t>
             </a:r>
           </a:p>
@@ -7742,10 +7712,9 @@
           <a:lstStyle/>
           <a:p>
             <a:r>
-              <a:rPr lang="en-US" dirty="0" smtClean="0"/>
+              <a:rPr lang="en-US" dirty="0"/>
               <a:t>Charlie Pain Level: 0 out of 5</a:t>
             </a:r>
-            <a:endParaRPr lang="en-US" dirty="0"/>
           </a:p>
         </p:txBody>
       </p:sp>
@@ -8181,7 +8150,7 @@
           <a:lstStyle/>
           <a:p>
             <a:r>
-              <a:rPr lang="en-US" sz="5400" dirty="0" smtClean="0">
+              <a:rPr lang="en-US" sz="5400" dirty="0">
                 <a:ln w="0"/>
                 <a:solidFill>
                   <a:schemeClr val="accent1"/>
@@ -8235,21 +8204,8 @@
           <a:p>
             <a:r>
               <a:rPr lang="en-US" sz="3600" dirty="0"/>
-              <a:t>Wear </a:t>
-            </a:r>
-            <a:r>
-              <a:rPr lang="en-US" sz="3600" dirty="0" smtClean="0"/>
-              <a:t>a full-body </a:t>
-            </a:r>
-            <a:r>
-              <a:rPr lang="en-US" sz="3600" dirty="0"/>
-              <a:t>Chicken Suit the day before we leave to SpaceVision and during all </a:t>
-            </a:r>
-            <a:r>
-              <a:rPr lang="en-US" sz="3600" dirty="0" smtClean="0"/>
-              <a:t>travel (car, TSA, and airplane)</a:t>
-            </a:r>
-            <a:endParaRPr lang="en-US" sz="3600" dirty="0"/>
+              <a:t>Wear a full-body Chicken Suit the day before we leave to SpaceVision and during all travel (car, TSA, and airplane)</a:t>
+            </a:r>
           </a:p>
         </p:txBody>
       </p:sp>
@@ -8276,10 +8232,9 @@
           <a:lstStyle/>
           <a:p>
             <a:r>
-              <a:rPr lang="en-US" dirty="0" smtClean="0"/>
+              <a:rPr lang="en-US" dirty="0"/>
               <a:t>Charlie Pain Level: 2 out of 5</a:t>
             </a:r>
-            <a:endParaRPr lang="en-US" dirty="0"/>
           </a:p>
         </p:txBody>
       </p:sp>
@@ -8715,7 +8670,7 @@
           <a:lstStyle/>
           <a:p>
             <a:r>
-              <a:rPr lang="en-US" sz="5400" dirty="0" smtClean="0">
+              <a:rPr lang="en-US" sz="5400" dirty="0">
                 <a:ln w="0"/>
                 <a:solidFill>
                   <a:schemeClr val="accent1"/>
@@ -8728,7 +8683,7 @@
                   </a:outerShdw>
                 </a:effectLst>
               </a:rPr>
-              <a:t>Level 3 - $12,000 Total</a:t>
+              <a:t>Level 3 - $15,000 Total</a:t>
             </a:r>
             <a:endParaRPr lang="en-US" sz="5400" b="0" cap="none" spc="0" dirty="0">
               <a:ln w="0"/>
@@ -8769,11 +8724,7 @@
           <a:p>
             <a:r>
               <a:rPr lang="en-US" sz="3200" dirty="0"/>
-              <a:t>Dye my hair any </a:t>
-            </a:r>
-            <a:r>
-              <a:rPr lang="en-US" sz="3200" dirty="0" smtClean="0"/>
-              <a:t>color</a:t>
+              <a:t>Dye my hair any color</a:t>
             </a:r>
           </a:p>
           <a:p>
@@ -8781,10 +8732,9 @@
           </a:p>
           <a:p>
             <a:r>
-              <a:rPr lang="en-US" sz="3200" dirty="0" smtClean="0"/>
+              <a:rPr lang="en-US" sz="3200" dirty="0"/>
               <a:t>Rules:</a:t>
             </a:r>
-            <a:endParaRPr lang="en-US" sz="3200" dirty="0"/>
           </a:p>
           <a:p>
             <a:pPr marL="342900" indent="-342900">
@@ -8792,7 +8742,7 @@
               <a:buAutoNum type="arabicPeriod"/>
             </a:pPr>
             <a:r>
-              <a:rPr lang="en-US" sz="3200" dirty="0" smtClean="0"/>
+              <a:rPr lang="en-US" sz="3200" dirty="0"/>
               <a:t>Can not be dyed during SpaceVision or IAC.</a:t>
             </a:r>
           </a:p>
@@ -8802,7 +8752,7 @@
               <a:buAutoNum type="arabicPeriod"/>
             </a:pPr>
             <a:r>
-              <a:rPr lang="en-US" sz="3200" dirty="0" smtClean="0"/>
+              <a:rPr lang="en-US" sz="3200" dirty="0"/>
               <a:t>Can get it removed after 2 weeks time</a:t>
             </a:r>
           </a:p>
@@ -8831,10 +8781,9 @@
           <a:lstStyle/>
           <a:p>
             <a:r>
-              <a:rPr lang="en-US" dirty="0" smtClean="0"/>
+              <a:rPr lang="en-US" dirty="0"/>
               <a:t>Charlie Pain Level: 3 out of 5</a:t>
             </a:r>
-            <a:endParaRPr lang="en-US" dirty="0"/>
           </a:p>
         </p:txBody>
       </p:sp>
@@ -9270,7 +9219,7 @@
           <a:lstStyle/>
           <a:p>
             <a:r>
-              <a:rPr lang="en-US" sz="5400" dirty="0" smtClean="0">
+              <a:rPr lang="en-US" sz="5400" dirty="0">
                 <a:ln w="0"/>
                 <a:solidFill>
                   <a:schemeClr val="accent1"/>
@@ -9283,71 +9232,7 @@
                   </a:outerShdw>
                 </a:effectLst>
               </a:rPr>
-              <a:t>Level 4 - </a:t>
-            </a:r>
-            <a:r>
-              <a:rPr lang="en-US" sz="5400" dirty="0" smtClean="0">
-                <a:ln w="0"/>
-                <a:solidFill>
-                  <a:schemeClr val="accent1"/>
-                </a:solidFill>
-                <a:effectLst>
-                  <a:outerShdw blurRad="38100" dist="25400" dir="5400000" algn="ctr" rotWithShape="0">
-                    <a:srgbClr val="6E747A">
-                      <a:alpha val="43000"/>
-                    </a:srgbClr>
-                  </a:outerShdw>
-                </a:effectLst>
-              </a:rPr>
-              <a:t>$</a:t>
-            </a:r>
-            <a:r>
-              <a:rPr lang="en-US" sz="5400" dirty="0" smtClean="0">
-                <a:ln w="0"/>
-                <a:solidFill>
-                  <a:schemeClr val="accent1"/>
-                </a:solidFill>
-                <a:effectLst>
-                  <a:outerShdw blurRad="38100" dist="25400" dir="5400000" algn="ctr" rotWithShape="0">
-                    <a:srgbClr val="6E747A">
-                      <a:alpha val="43000"/>
-                    </a:srgbClr>
-                  </a:outerShdw>
-                </a:effectLst>
-              </a:rPr>
-              <a:t>20</a:t>
-            </a:r>
-            <a:r>
-              <a:rPr lang="en-US" sz="5400" dirty="0" smtClean="0">
-                <a:ln w="0"/>
-                <a:solidFill>
-                  <a:schemeClr val="accent1"/>
-                </a:solidFill>
-                <a:effectLst>
-                  <a:outerShdw blurRad="38100" dist="25400" dir="5400000" algn="ctr" rotWithShape="0">
-                    <a:srgbClr val="6E747A">
-                      <a:alpha val="43000"/>
-                    </a:srgbClr>
-                  </a:outerShdw>
-                </a:effectLst>
-              </a:rPr>
-              <a:t>,000 </a:t>
-            </a:r>
-            <a:r>
-              <a:rPr lang="en-US" sz="5400" dirty="0" smtClean="0">
-                <a:ln w="0"/>
-                <a:solidFill>
-                  <a:schemeClr val="accent1"/>
-                </a:solidFill>
-                <a:effectLst>
-                  <a:outerShdw blurRad="38100" dist="25400" dir="5400000" algn="ctr" rotWithShape="0">
-                    <a:srgbClr val="6E747A">
-                      <a:alpha val="43000"/>
-                    </a:srgbClr>
-                  </a:outerShdw>
-                </a:effectLst>
-              </a:rPr>
-              <a:t>Total</a:t>
+              <a:t>Level 4 - $25,000 Total</a:t>
             </a:r>
             <a:endParaRPr lang="en-US" sz="5400" b="0" cap="none" spc="0" dirty="0">
               <a:ln w="0"/>
@@ -9388,15 +9273,7 @@
           <a:p>
             <a:r>
               <a:rPr lang="en-US" sz="4000" dirty="0"/>
-              <a:t>Get a tattoo chosen by the team </a:t>
-            </a:r>
-            <a:r>
-              <a:rPr lang="en-US" sz="4000" dirty="0" smtClean="0"/>
-              <a:t>in secret (lower </a:t>
-            </a:r>
-            <a:r>
-              <a:rPr lang="en-US" sz="4000" dirty="0"/>
-              <a:t>back or ankle)</a:t>
+              <a:t>Get a tattoo chosen by the team in secret (lower back or ankle)</a:t>
             </a:r>
           </a:p>
         </p:txBody>
@@ -9424,10 +9301,9 @@
           <a:lstStyle/>
           <a:p>
             <a:r>
-              <a:rPr lang="en-US" dirty="0" smtClean="0"/>
+              <a:rPr lang="en-US" dirty="0"/>
               <a:t>Charlie Pain Level: 5 out of 5</a:t>
             </a:r>
-            <a:endParaRPr lang="en-US" dirty="0"/>
           </a:p>
         </p:txBody>
       </p:sp>
@@ -9863,7 +9739,7 @@
           <a:lstStyle/>
           <a:p>
             <a:r>
-              <a:rPr lang="en-US" sz="5400" dirty="0" smtClean="0">
+              <a:rPr lang="en-US" sz="5400" dirty="0">
                 <a:ln w="0"/>
                 <a:solidFill>
                   <a:schemeClr val="accent1"/>
@@ -9876,10 +9752,10 @@
                   </a:outerShdw>
                 </a:effectLst>
               </a:rPr>
-              <a:t>Level 5 - $</a:t>
-            </a:r>
-            <a:r>
-              <a:rPr lang="en-US" sz="5400" dirty="0" smtClean="0">
+              <a:t>Level 5 </a:t>
+            </a:r>
+            <a:r>
+              <a:rPr lang="en-US" sz="5400">
                 <a:ln w="0"/>
                 <a:solidFill>
                   <a:schemeClr val="accent1"/>
@@ -9892,10 +9768,10 @@
                   </a:outerShdw>
                 </a:effectLst>
               </a:rPr>
-              <a:t>25,000 </a:t>
-            </a:r>
-            <a:r>
-              <a:rPr lang="en-US" sz="5400" dirty="0" smtClean="0">
+              <a:t>- $30,000 </a:t>
+            </a:r>
+            <a:r>
+              <a:rPr lang="en-US" sz="5400" dirty="0">
                 <a:ln w="0"/>
                 <a:solidFill>
                   <a:schemeClr val="accent1"/>
@@ -9948,10 +9824,9 @@
           <a:lstStyle/>
           <a:p>
             <a:r>
-              <a:rPr lang="en-US" sz="4000" dirty="0" smtClean="0"/>
+              <a:rPr lang="en-US" sz="4000" dirty="0"/>
               <a:t>I will do everything from above</a:t>
             </a:r>
-            <a:endParaRPr lang="en-US" sz="4000" dirty="0"/>
           </a:p>
         </p:txBody>
       </p:sp>
@@ -9978,10 +9853,9 @@
           <a:lstStyle/>
           <a:p>
             <a:r>
-              <a:rPr lang="en-US" dirty="0" smtClean="0"/>
+              <a:rPr lang="en-US" dirty="0"/>
               <a:t>Charlie Pain Level: 6 out of 5</a:t>
             </a:r>
-            <a:endParaRPr lang="en-US" dirty="0"/>
           </a:p>
         </p:txBody>
       </p:sp>
@@ -10109,10 +9983,9 @@
           <a:lstStyle/>
           <a:p>
             <a:r>
-              <a:rPr lang="en-US" dirty="0" smtClean="0"/>
+              <a:rPr lang="en-US" dirty="0"/>
               <a:t>The Richest Engineer</a:t>
             </a:r>
-            <a:endParaRPr lang="en-US" dirty="0"/>
           </a:p>
         </p:txBody>
       </p:sp>
@@ -10140,7 +10013,7 @@
               <a:buNone/>
             </a:pPr>
             <a:r>
-              <a:rPr lang="en-US" dirty="0" smtClean="0"/>
+              <a:rPr lang="en-US" dirty="0"/>
               <a:t>Whoever raises the most money receives:</a:t>
             </a:r>
           </a:p>
@@ -10162,10 +10035,10 @@
               <a:t> </a:t>
             </a:r>
             <a:r>
-              <a:rPr lang="en-US" dirty="0" err="1" smtClean="0"/>
+              <a:rPr lang="en-US" dirty="0" err="1"/>
               <a:t>sho</a:t>
             </a:r>
-            <a:endParaRPr lang="en-US" dirty="0" smtClean="0"/>
+            <a:endParaRPr lang="en-US" dirty="0"/>
           </a:p>
           <a:p>
             <a:pPr marL="494100" indent="-457200">
@@ -10173,31 +10046,15 @@
               <a:buAutoNum type="arabicPeriod"/>
             </a:pPr>
             <a:r>
-              <a:rPr lang="en-US" dirty="0" smtClean="0"/>
-              <a:t>If </a:t>
-            </a:r>
-            <a:r>
               <a:rPr lang="en-US" dirty="0"/>
-              <a:t>21 - all expenses paid bar night from </a:t>
-            </a:r>
-            <a:r>
-              <a:rPr lang="en-US" dirty="0" smtClean="0"/>
-              <a:t>Charlie</a:t>
+              <a:t>If 21 - all expenses paid bar night from Charlie</a:t>
             </a:r>
             <a:br>
-              <a:rPr lang="en-US" dirty="0" smtClean="0"/>
+              <a:rPr lang="en-US" dirty="0"/>
             </a:br>
             <a:r>
-              <a:rPr lang="en-US" dirty="0" smtClean="0"/>
-              <a:t>If </a:t>
-            </a:r>
-            <a:r>
               <a:rPr lang="en-US" dirty="0"/>
-              <a:t>not - I will buy liquor for you up to 30 </a:t>
-            </a:r>
-            <a:r>
-              <a:rPr lang="en-US" dirty="0" smtClean="0"/>
-              <a:t>bucks</a:t>
+              <a:t>If not - I will buy liquor for you up to 30 bucks</a:t>
             </a:r>
           </a:p>
           <a:p>
@@ -10206,16 +10063,8 @@
               <a:buAutoNum type="arabicPeriod"/>
             </a:pPr>
             <a:r>
-              <a:rPr lang="en-US" dirty="0" smtClean="0"/>
-              <a:t>I </a:t>
-            </a:r>
-            <a:r>
               <a:rPr lang="en-US" dirty="0"/>
-              <a:t>will remember what you did and will owe you one (1 Nitschelm buck</a:t>
-            </a:r>
-            <a:r>
-              <a:rPr lang="en-US" dirty="0" smtClean="0"/>
-              <a:t>)</a:t>
+              <a:t>I will remember what you did and will owe you one (1 Nitschelm buck)</a:t>
             </a:r>
           </a:p>
         </p:txBody>
@@ -10230,13 +10079,6 @@
   <p:clrMapOvr>
     <a:masterClrMapping/>
   </p:clrMapOvr>
-  <p:timing>
-    <p:tnLst>
-      <p:par>
-        <p:cTn id="1" dur="indefinite" restart="never" nodeType="tmRoot"/>
-      </p:par>
-    </p:tnLst>
-  </p:timing>
 </p:sld>
 </file>
 
